--- a/Slides/lecture-slides.pptx
+++ b/Slides/lecture-slides.pptx
@@ -10,22 +10,24 @@
     <p:sldId id="262" r:id="rId4"/>
     <p:sldId id="261" r:id="rId5"/>
     <p:sldId id="264" r:id="rId6"/>
-    <p:sldId id="265" r:id="rId7"/>
-    <p:sldId id="266" r:id="rId8"/>
-    <p:sldId id="267" r:id="rId9"/>
-    <p:sldId id="268" r:id="rId10"/>
-    <p:sldId id="259" r:id="rId11"/>
-    <p:sldId id="269" r:id="rId12"/>
-    <p:sldId id="270" r:id="rId13"/>
-    <p:sldId id="272" r:id="rId14"/>
-    <p:sldId id="258" r:id="rId15"/>
-    <p:sldId id="271" r:id="rId16"/>
-    <p:sldId id="273" r:id="rId17"/>
-    <p:sldId id="275" r:id="rId18"/>
-    <p:sldId id="274" r:id="rId19"/>
-    <p:sldId id="276" r:id="rId20"/>
-    <p:sldId id="277" r:id="rId21"/>
-    <p:sldId id="278" r:id="rId22"/>
+    <p:sldId id="279" r:id="rId7"/>
+    <p:sldId id="265" r:id="rId8"/>
+    <p:sldId id="266" r:id="rId9"/>
+    <p:sldId id="267" r:id="rId10"/>
+    <p:sldId id="268" r:id="rId11"/>
+    <p:sldId id="280" r:id="rId12"/>
+    <p:sldId id="259" r:id="rId13"/>
+    <p:sldId id="269" r:id="rId14"/>
+    <p:sldId id="270" r:id="rId15"/>
+    <p:sldId id="272" r:id="rId16"/>
+    <p:sldId id="258" r:id="rId17"/>
+    <p:sldId id="271" r:id="rId18"/>
+    <p:sldId id="273" r:id="rId19"/>
+    <p:sldId id="275" r:id="rId20"/>
+    <p:sldId id="274" r:id="rId21"/>
+    <p:sldId id="276" r:id="rId22"/>
+    <p:sldId id="277" r:id="rId23"/>
+    <p:sldId id="278" r:id="rId24"/>
   </p:sldIdLst>
   <p:sldSz cx="12192000" cy="6858000"/>
   <p:notesSz cx="6858000" cy="9144000"/>
@@ -142,10 +144,12 @@
         <p14:section name="From Autoencoder to VAE" id="{B2201200-D4E6-0A4E-827B-8CB6490BB2E0}">
           <p14:sldIdLst>
             <p14:sldId id="264"/>
+            <p14:sldId id="279"/>
             <p14:sldId id="265"/>
             <p14:sldId id="266"/>
             <p14:sldId id="267"/>
             <p14:sldId id="268"/>
+            <p14:sldId id="280"/>
           </p14:sldIdLst>
         </p14:section>
         <p14:section name="Objective" id="{F16F4040-0ED7-894D-A865-907C42238D4A}">
@@ -324,7 +328,7 @@
           <a:p>
             <a:fld id="{2229B90E-46D2-ED48-9A40-D87F54ADB0F5}" type="datetimeFigureOut">
               <a:rPr lang="en-US" smtClean="0"/>
-              <a:t>4/17/23</a:t>
+              <a:t>4/18/2023</a:t>
             </a:fld>
             <a:endParaRPr lang="en-US"/>
           </a:p>
@@ -522,7 +526,7 @@
           <a:p>
             <a:fld id="{2229B90E-46D2-ED48-9A40-D87F54ADB0F5}" type="datetimeFigureOut">
               <a:rPr lang="en-US" smtClean="0"/>
-              <a:t>4/17/23</a:t>
+              <a:t>4/18/2023</a:t>
             </a:fld>
             <a:endParaRPr lang="en-US"/>
           </a:p>
@@ -730,7 +734,7 @@
           <a:p>
             <a:fld id="{2229B90E-46D2-ED48-9A40-D87F54ADB0F5}" type="datetimeFigureOut">
               <a:rPr lang="en-US" smtClean="0"/>
-              <a:t>4/17/23</a:t>
+              <a:t>4/18/2023</a:t>
             </a:fld>
             <a:endParaRPr lang="en-US"/>
           </a:p>
@@ -928,7 +932,7 @@
           <a:p>
             <a:fld id="{2229B90E-46D2-ED48-9A40-D87F54ADB0F5}" type="datetimeFigureOut">
               <a:rPr lang="en-US" smtClean="0"/>
-              <a:t>4/17/23</a:t>
+              <a:t>4/18/2023</a:t>
             </a:fld>
             <a:endParaRPr lang="en-US"/>
           </a:p>
@@ -1203,7 +1207,7 @@
           <a:p>
             <a:fld id="{2229B90E-46D2-ED48-9A40-D87F54ADB0F5}" type="datetimeFigureOut">
               <a:rPr lang="en-US" smtClean="0"/>
-              <a:t>4/17/23</a:t>
+              <a:t>4/18/2023</a:t>
             </a:fld>
             <a:endParaRPr lang="en-US"/>
           </a:p>
@@ -1468,7 +1472,7 @@
           <a:p>
             <a:fld id="{2229B90E-46D2-ED48-9A40-D87F54ADB0F5}" type="datetimeFigureOut">
               <a:rPr lang="en-US" smtClean="0"/>
-              <a:t>4/17/23</a:t>
+              <a:t>4/18/2023</a:t>
             </a:fld>
             <a:endParaRPr lang="en-US"/>
           </a:p>
@@ -1880,7 +1884,7 @@
           <a:p>
             <a:fld id="{2229B90E-46D2-ED48-9A40-D87F54ADB0F5}" type="datetimeFigureOut">
               <a:rPr lang="en-US" smtClean="0"/>
-              <a:t>4/17/23</a:t>
+              <a:t>4/18/2023</a:t>
             </a:fld>
             <a:endParaRPr lang="en-US"/>
           </a:p>
@@ -2021,7 +2025,7 @@
           <a:p>
             <a:fld id="{2229B90E-46D2-ED48-9A40-D87F54ADB0F5}" type="datetimeFigureOut">
               <a:rPr lang="en-US" smtClean="0"/>
-              <a:t>4/17/23</a:t>
+              <a:t>4/18/2023</a:t>
             </a:fld>
             <a:endParaRPr lang="en-US"/>
           </a:p>
@@ -2134,7 +2138,7 @@
           <a:p>
             <a:fld id="{2229B90E-46D2-ED48-9A40-D87F54ADB0F5}" type="datetimeFigureOut">
               <a:rPr lang="en-US" smtClean="0"/>
-              <a:t>4/17/23</a:t>
+              <a:t>4/18/2023</a:t>
             </a:fld>
             <a:endParaRPr lang="en-US"/>
           </a:p>
@@ -2445,7 +2449,7 @@
           <a:p>
             <a:fld id="{2229B90E-46D2-ED48-9A40-D87F54ADB0F5}" type="datetimeFigureOut">
               <a:rPr lang="en-US" smtClean="0"/>
-              <a:t>4/17/23</a:t>
+              <a:t>4/18/2023</a:t>
             </a:fld>
             <a:endParaRPr lang="en-US"/>
           </a:p>
@@ -2733,7 +2737,7 @@
           <a:p>
             <a:fld id="{2229B90E-46D2-ED48-9A40-D87F54ADB0F5}" type="datetimeFigureOut">
               <a:rPr lang="en-US" smtClean="0"/>
-              <a:t>4/17/23</a:t>
+              <a:t>4/18/2023</a:t>
             </a:fld>
             <a:endParaRPr lang="en-US"/>
           </a:p>
@@ -2974,7 +2978,7 @@
           <a:p>
             <a:fld id="{2229B90E-46D2-ED48-9A40-D87F54ADB0F5}" type="datetimeFigureOut">
               <a:rPr lang="en-US" smtClean="0"/>
-              <a:t>4/17/23</a:t>
+              <a:t>4/18/2023</a:t>
             </a:fld>
             <a:endParaRPr lang="en-US"/>
           </a:p>
@@ -3490,6 +3494,306 @@
           <a:chExt cx="0" cy="0"/>
         </a:xfrm>
       </p:grpSpPr>
+      <mc:AlternateContent xmlns:mc="http://schemas.openxmlformats.org/markup-compatibility/2006" xmlns:a14="http://schemas.microsoft.com/office/drawing/2010/main">
+        <mc:Choice Requires="a14">
+          <p:sp>
+            <p:nvSpPr>
+              <p:cNvPr id="2" name="Title 1">
+                <a:extLst>
+                  <a:ext uri="{FF2B5EF4-FFF2-40B4-BE49-F238E27FC236}">
+                    <a16:creationId xmlns:a16="http://schemas.microsoft.com/office/drawing/2014/main" id="{6C062EE8-57AF-CE5A-07A3-305A4AC3022C}"/>
+                  </a:ext>
+                </a:extLst>
+              </p:cNvPr>
+              <p:cNvSpPr>
+                <a:spLocks noGrp="1"/>
+              </p:cNvSpPr>
+              <p:nvPr>
+                <p:ph type="title"/>
+              </p:nvPr>
+            </p:nvSpPr>
+            <p:spPr>
+              <a:xfrm>
+                <a:off x="838200" y="2766218"/>
+                <a:ext cx="10515600" cy="1325563"/>
+              </a:xfrm>
+            </p:spPr>
+            <p:txBody>
+              <a:bodyPr/>
+              <a:lstStyle/>
+              <a:p>
+                <a:r>
+                  <a:rPr lang="en-US" dirty="0"/>
+                  <a:t>We could use VAE to Model </a:t>
+                </a:r>
+                <a14:m>
+                  <m:oMath xmlns:m="http://schemas.openxmlformats.org/officeDocument/2006/math">
+                    <m:sSub>
+                      <m:sSubPr>
+                        <m:ctrlPr>
+                          <a:rPr lang="en-US" i="1" smtClean="0">
+                            <a:latin typeface="Cambria Math" panose="02040503050406030204" pitchFamily="18" charset="0"/>
+                          </a:rPr>
+                        </m:ctrlPr>
+                      </m:sSubPr>
+                      <m:e>
+                        <m:r>
+                          <a:rPr lang="en-US" b="0" i="1" smtClean="0">
+                            <a:latin typeface="Cambria Math" panose="02040503050406030204" pitchFamily="18" charset="0"/>
+                          </a:rPr>
+                          <m:t>𝑝</m:t>
+                        </m:r>
+                      </m:e>
+                      <m:sub>
+                        <m:r>
+                          <a:rPr lang="en-US" b="0" i="1" smtClean="0">
+                            <a:latin typeface="Cambria Math" panose="02040503050406030204" pitchFamily="18" charset="0"/>
+                          </a:rPr>
+                          <m:t>𝜃</m:t>
+                        </m:r>
+                      </m:sub>
+                    </m:sSub>
+                    <m:r>
+                      <a:rPr lang="en-US" b="0" i="1" smtClean="0">
+                        <a:latin typeface="Cambria Math" panose="02040503050406030204" pitchFamily="18" charset="0"/>
+                      </a:rPr>
+                      <m:t>(</m:t>
+                    </m:r>
+                    <m:r>
+                      <a:rPr lang="en-US" b="0" i="1" smtClean="0">
+                        <a:latin typeface="Cambria Math" panose="02040503050406030204" pitchFamily="18" charset="0"/>
+                      </a:rPr>
+                      <m:t>𝑥</m:t>
+                    </m:r>
+                    <m:r>
+                      <a:rPr lang="en-US" b="0" i="1" smtClean="0">
+                        <a:latin typeface="Cambria Math" panose="02040503050406030204" pitchFamily="18" charset="0"/>
+                      </a:rPr>
+                      <m:t>)</m:t>
+                    </m:r>
+                  </m:oMath>
+                </a14:m>
+                <a:r>
+                  <a:rPr lang="en-US" dirty="0"/>
+                  <a:t> </a:t>
+                </a:r>
+              </a:p>
+            </p:txBody>
+          </p:sp>
+        </mc:Choice>
+        <mc:Fallback xmlns="">
+          <p:sp>
+            <p:nvSpPr>
+              <p:cNvPr id="2" name="Title 1">
+                <a:extLst>
+                  <a:ext uri="{FF2B5EF4-FFF2-40B4-BE49-F238E27FC236}">
+                    <a16:creationId xmlns:a16="http://schemas.microsoft.com/office/drawing/2014/main" id="{6C062EE8-57AF-CE5A-07A3-305A4AC3022C}"/>
+                  </a:ext>
+                </a:extLst>
+              </p:cNvPr>
+              <p:cNvSpPr>
+                <a:spLocks noGrp="1" noRot="1" noChangeAspect="1" noMove="1" noResize="1" noEditPoints="1" noAdjustHandles="1" noChangeArrowheads="1" noChangeShapeType="1" noTextEdit="1"/>
+              </p:cNvSpPr>
+              <p:nvPr>
+                <p:ph type="title"/>
+              </p:nvPr>
+            </p:nvSpPr>
+            <p:spPr>
+              <a:xfrm>
+                <a:off x="838200" y="2766218"/>
+                <a:ext cx="10515600" cy="1325563"/>
+              </a:xfrm>
+              <a:blipFill>
+                <a:blip r:embed="rId2"/>
+                <a:stretch>
+                  <a:fillRect l="-2413"/>
+                </a:stretch>
+              </a:blipFill>
+            </p:spPr>
+            <p:txBody>
+              <a:bodyPr/>
+              <a:lstStyle/>
+              <a:p>
+                <a:r>
+                  <a:rPr lang="en-US">
+                    <a:noFill/>
+                  </a:rPr>
+                  <a:t> </a:t>
+                </a:r>
+              </a:p>
+            </p:txBody>
+          </p:sp>
+        </mc:Fallback>
+      </mc:AlternateContent>
+    </p:spTree>
+    <p:extLst>
+      <p:ext uri="{BB962C8B-B14F-4D97-AF65-F5344CB8AC3E}">
+        <p14:creationId xmlns:p14="http://schemas.microsoft.com/office/powerpoint/2010/main" val="1711117113"/>
+      </p:ext>
+    </p:extLst>
+  </p:cSld>
+  <p:clrMapOvr>
+    <a:masterClrMapping/>
+  </p:clrMapOvr>
+</p:sld>
+</file>
+
+<file path=ppt/slides/slide11.xml><?xml version="1.0" encoding="utf-8"?>
+<p:sld xmlns:a="http://schemas.openxmlformats.org/drawingml/2006/main" xmlns:r="http://schemas.openxmlformats.org/officeDocument/2006/relationships" xmlns:p="http://schemas.openxmlformats.org/presentationml/2006/main">
+  <p:cSld>
+    <p:spTree>
+      <p:nvGrpSpPr>
+        <p:cNvPr id="1" name=""/>
+        <p:cNvGrpSpPr/>
+        <p:nvPr/>
+      </p:nvGrpSpPr>
+      <p:grpSpPr>
+        <a:xfrm>
+          <a:off x="0" y="0"/>
+          <a:ext cx="0" cy="0"/>
+          <a:chOff x="0" y="0"/>
+          <a:chExt cx="0" cy="0"/>
+        </a:xfrm>
+      </p:grpSpPr>
+      <p:sp>
+        <p:nvSpPr>
+          <p:cNvPr id="2" name="Title 1">
+            <a:extLst>
+              <a:ext uri="{FF2B5EF4-FFF2-40B4-BE49-F238E27FC236}">
+                <a16:creationId xmlns:a16="http://schemas.microsoft.com/office/drawing/2014/main" id="{5BBFB651-1025-4050-9B90-927F7199F573}"/>
+              </a:ext>
+            </a:extLst>
+          </p:cNvPr>
+          <p:cNvSpPr>
+            <a:spLocks noGrp="1"/>
+          </p:cNvSpPr>
+          <p:nvPr>
+            <p:ph type="title"/>
+          </p:nvPr>
+        </p:nvSpPr>
+        <p:spPr/>
+        <p:txBody>
+          <a:bodyPr/>
+          <a:lstStyle/>
+          <a:p>
+            <a:r>
+              <a:rPr lang="en-US" dirty="0"/>
+              <a:t>Variational Autoencoders</a:t>
+            </a:r>
+          </a:p>
+        </p:txBody>
+      </p:sp>
+      <p:sp>
+        <p:nvSpPr>
+          <p:cNvPr id="3" name="Content Placeholder 2">
+            <a:extLst>
+              <a:ext uri="{FF2B5EF4-FFF2-40B4-BE49-F238E27FC236}">
+                <a16:creationId xmlns:a16="http://schemas.microsoft.com/office/drawing/2014/main" id="{9F415741-7A3E-4EE2-BAB5-93F359C58180}"/>
+              </a:ext>
+            </a:extLst>
+          </p:cNvPr>
+          <p:cNvSpPr>
+            <a:spLocks noGrp="1"/>
+          </p:cNvSpPr>
+          <p:nvPr>
+            <p:ph idx="1"/>
+          </p:nvPr>
+        </p:nvSpPr>
+        <p:spPr/>
+        <p:txBody>
+          <a:bodyPr/>
+          <a:lstStyle/>
+          <a:p>
+            <a:r>
+              <a:rPr lang="en-US" dirty="0"/>
+              <a:t>Paper: Auto-Encoding Variational Bayes</a:t>
+            </a:r>
+          </a:p>
+          <a:p>
+            <a:pPr lvl="1"/>
+            <a:r>
+              <a:rPr lang="en-US" dirty="0" err="1"/>
+              <a:t>Diederik</a:t>
+            </a:r>
+            <a:r>
+              <a:rPr lang="en-US" dirty="0"/>
+              <a:t> P. </a:t>
+            </a:r>
+            <a:r>
+              <a:rPr lang="en-US" dirty="0" err="1"/>
+              <a:t>Kingma</a:t>
+            </a:r>
+            <a:r>
+              <a:rPr lang="en-US" dirty="0"/>
+              <a:t> and Max Welling</a:t>
+            </a:r>
+          </a:p>
+          <a:p>
+            <a:pPr lvl="1"/>
+            <a:r>
+              <a:rPr lang="en-US" dirty="0"/>
+              <a:t>International Conference on Learning Representations 2014</a:t>
+            </a:r>
+          </a:p>
+          <a:p>
+            <a:r>
+              <a:rPr lang="en-US" dirty="0"/>
+              <a:t>Proposed a method for </a:t>
+            </a:r>
+            <a:r>
+              <a:rPr lang="en-US"/>
+              <a:t>estimating latent variables </a:t>
+            </a:r>
+            <a:r>
+              <a:rPr lang="en-US" dirty="0"/>
+              <a:t>with intractable posterior distributions using stochastic gradient descent</a:t>
+            </a:r>
+          </a:p>
+          <a:p>
+            <a:pPr lvl="1"/>
+            <a:r>
+              <a:rPr lang="en-US" dirty="0"/>
+              <a:t>Previous methods required analytical solutions</a:t>
+            </a:r>
+          </a:p>
+          <a:p>
+            <a:r>
+              <a:rPr lang="en-US" dirty="0"/>
+              <a:t>Demonstrated an application of this method for autoencoders, dubbed variational autoencoders</a:t>
+            </a:r>
+          </a:p>
+        </p:txBody>
+      </p:sp>
+    </p:spTree>
+    <p:extLst>
+      <p:ext uri="{BB962C8B-B14F-4D97-AF65-F5344CB8AC3E}">
+        <p14:creationId xmlns:p14="http://schemas.microsoft.com/office/powerpoint/2010/main" val="2021388605"/>
+      </p:ext>
+    </p:extLst>
+  </p:cSld>
+  <p:clrMapOvr>
+    <a:masterClrMapping/>
+  </p:clrMapOvr>
+</p:sld>
+</file>
+
+<file path=ppt/slides/slide12.xml><?xml version="1.0" encoding="utf-8"?>
+<p:sld xmlns:a="http://schemas.openxmlformats.org/drawingml/2006/main" xmlns:r="http://schemas.openxmlformats.org/officeDocument/2006/relationships" xmlns:p="http://schemas.openxmlformats.org/presentationml/2006/main">
+  <p:cSld>
+    <p:spTree>
+      <p:nvGrpSpPr>
+        <p:cNvPr id="1" name=""/>
+        <p:cNvGrpSpPr/>
+        <p:nvPr/>
+      </p:nvGrpSpPr>
+      <p:grpSpPr>
+        <a:xfrm>
+          <a:off x="0" y="0"/>
+          <a:ext cx="0" cy="0"/>
+          <a:chOff x="0" y="0"/>
+          <a:chExt cx="0" cy="0"/>
+        </a:xfrm>
+      </p:grpSpPr>
       <p:sp>
         <p:nvSpPr>
           <p:cNvPr id="2" name="Title 1">
@@ -3809,7 +4113,7 @@
 </p:sld>
 </file>
 
-<file path=ppt/slides/slide11.xml><?xml version="1.0" encoding="utf-8"?>
+<file path=ppt/slides/slide13.xml><?xml version="1.0" encoding="utf-8"?>
 <p:sld xmlns:a="http://schemas.openxmlformats.org/drawingml/2006/main" xmlns:r="http://schemas.openxmlformats.org/officeDocument/2006/relationships" xmlns:p="http://schemas.openxmlformats.org/presentationml/2006/main">
   <p:cSld>
     <p:bg>
@@ -4031,7 +4335,7 @@
 </p:sld>
 </file>
 
-<file path=ppt/slides/slide12.xml><?xml version="1.0" encoding="utf-8"?>
+<file path=ppt/slides/slide14.xml><?xml version="1.0" encoding="utf-8"?>
 <p:sld xmlns:a="http://schemas.openxmlformats.org/drawingml/2006/main" xmlns:r="http://schemas.openxmlformats.org/officeDocument/2006/relationships" xmlns:p="http://schemas.openxmlformats.org/presentationml/2006/main">
   <p:cSld>
     <p:spTree>
@@ -4210,7 +4514,7 @@
 </p:sld>
 </file>
 
-<file path=ppt/slides/slide13.xml><?xml version="1.0" encoding="utf-8"?>
+<file path=ppt/slides/slide15.xml><?xml version="1.0" encoding="utf-8"?>
 <p:sld xmlns:a="http://schemas.openxmlformats.org/drawingml/2006/main" xmlns:r="http://schemas.openxmlformats.org/officeDocument/2006/relationships" xmlns:p="http://schemas.openxmlformats.org/presentationml/2006/main">
   <p:cSld>
     <p:spTree>
@@ -4368,7 +4672,7 @@
 </p:sld>
 </file>
 
-<file path=ppt/slides/slide14.xml><?xml version="1.0" encoding="utf-8"?>
+<file path=ppt/slides/slide16.xml><?xml version="1.0" encoding="utf-8"?>
 <p:sld xmlns:a="http://schemas.openxmlformats.org/drawingml/2006/main" xmlns:r="http://schemas.openxmlformats.org/officeDocument/2006/relationships" xmlns:p="http://schemas.openxmlformats.org/presentationml/2006/main">
   <p:cSld>
     <p:spTree>
@@ -5792,7 +6096,7 @@
 </p:sld>
 </file>
 
-<file path=ppt/slides/slide15.xml><?xml version="1.0" encoding="utf-8"?>
+<file path=ppt/slides/slide17.xml><?xml version="1.0" encoding="utf-8"?>
 <p:sld xmlns:a="http://schemas.openxmlformats.org/drawingml/2006/main" xmlns:r="http://schemas.openxmlformats.org/officeDocument/2006/relationships" xmlns:p="http://schemas.openxmlformats.org/presentationml/2006/main">
   <p:cSld>
     <p:spTree>
@@ -6053,7 +6357,7 @@
 </p:sld>
 </file>
 
-<file path=ppt/slides/slide16.xml><?xml version="1.0" encoding="utf-8"?>
+<file path=ppt/slides/slide18.xml><?xml version="1.0" encoding="utf-8"?>
 <p:sld xmlns:a="http://schemas.openxmlformats.org/drawingml/2006/main" xmlns:r="http://schemas.openxmlformats.org/officeDocument/2006/relationships" xmlns:p="http://schemas.openxmlformats.org/presentationml/2006/main">
   <p:cSld>
     <p:spTree>
@@ -6234,7 +6538,7 @@
 </p:sld>
 </file>
 
-<file path=ppt/slides/slide17.xml><?xml version="1.0" encoding="utf-8"?>
+<file path=ppt/slides/slide19.xml><?xml version="1.0" encoding="utf-8"?>
 <p:sld xmlns:a="http://schemas.openxmlformats.org/drawingml/2006/main" xmlns:r="http://schemas.openxmlformats.org/officeDocument/2006/relationships" xmlns:p="http://schemas.openxmlformats.org/presentationml/2006/main">
   <p:cSld>
     <p:spTree>
@@ -6279,8 +6583,8 @@
           </a:p>
         </p:txBody>
       </p:sp>
-      <mc:AlternateContent xmlns:mc="http://schemas.openxmlformats.org/markup-compatibility/2006">
-        <mc:Choice xmlns:a14="http://schemas.microsoft.com/office/drawing/2010/main" Requires="a14">
+      <mc:AlternateContent xmlns:mc="http://schemas.openxmlformats.org/markup-compatibility/2006" xmlns:a14="http://schemas.microsoft.com/office/drawing/2010/main">
+        <mc:Choice Requires="a14">
           <p:sp>
             <p:nvSpPr>
               <p:cNvPr id="3" name="Content Placeholder 2">
@@ -6364,7 +6668,7 @@
             </p:txBody>
           </p:sp>
         </mc:Choice>
-        <mc:Fallback>
+        <mc:Fallback xmlns="">
           <p:sp>
             <p:nvSpPr>
               <p:cNvPr id="3" name="Content Placeholder 2">
@@ -6438,643 +6742,6 @@
     <p:extLst>
       <p:ext uri="{BB962C8B-B14F-4D97-AF65-F5344CB8AC3E}">
         <p14:creationId xmlns:p14="http://schemas.microsoft.com/office/powerpoint/2010/main" val="2340254677"/>
-      </p:ext>
-    </p:extLst>
-  </p:cSld>
-  <p:clrMapOvr>
-    <a:masterClrMapping/>
-  </p:clrMapOvr>
-</p:sld>
-</file>
-
-<file path=ppt/slides/slide18.xml><?xml version="1.0" encoding="utf-8"?>
-<p:sld xmlns:a="http://schemas.openxmlformats.org/drawingml/2006/main" xmlns:r="http://schemas.openxmlformats.org/officeDocument/2006/relationships" xmlns:p="http://schemas.openxmlformats.org/presentationml/2006/main">
-  <p:cSld>
-    <p:spTree>
-      <p:nvGrpSpPr>
-        <p:cNvPr id="1" name=""/>
-        <p:cNvGrpSpPr/>
-        <p:nvPr/>
-      </p:nvGrpSpPr>
-      <p:grpSpPr>
-        <a:xfrm>
-          <a:off x="0" y="0"/>
-          <a:ext cx="0" cy="0"/>
-          <a:chOff x="0" y="0"/>
-          <a:chExt cx="0" cy="0"/>
-        </a:xfrm>
-      </p:grpSpPr>
-      <p:sp>
-        <p:nvSpPr>
-          <p:cNvPr id="2" name="Title 1">
-            <a:extLst>
-              <a:ext uri="{FF2B5EF4-FFF2-40B4-BE49-F238E27FC236}">
-                <a16:creationId xmlns:a16="http://schemas.microsoft.com/office/drawing/2014/main" id="{55121EE9-7E6F-F10E-067C-5A3A1CD5A384}"/>
-              </a:ext>
-            </a:extLst>
-          </p:cNvPr>
-          <p:cNvSpPr>
-            <a:spLocks noGrp="1"/>
-          </p:cNvSpPr>
-          <p:nvPr>
-            <p:ph type="title"/>
-          </p:nvPr>
-        </p:nvSpPr>
-        <p:spPr/>
-        <p:txBody>
-          <a:bodyPr/>
-          <a:lstStyle/>
-          <a:p>
-            <a:r>
-              <a:rPr lang="en-US" dirty="0"/>
-              <a:t>Reparameterization Trick</a:t>
-            </a:r>
-          </a:p>
-        </p:txBody>
-      </p:sp>
-      <mc:AlternateContent xmlns:mc="http://schemas.openxmlformats.org/markup-compatibility/2006">
-        <mc:Choice xmlns:a14="http://schemas.microsoft.com/office/drawing/2010/main" Requires="a14">
-          <p:sp>
-            <p:nvSpPr>
-              <p:cNvPr id="3" name="Content Placeholder 2">
-                <a:extLst>
-                  <a:ext uri="{FF2B5EF4-FFF2-40B4-BE49-F238E27FC236}">
-                    <a16:creationId xmlns:a16="http://schemas.microsoft.com/office/drawing/2014/main" id="{0D805266-4C60-8122-BD46-FF14B880DA12}"/>
-                  </a:ext>
-                </a:extLst>
-              </p:cNvPr>
-              <p:cNvSpPr>
-                <a:spLocks noGrp="1"/>
-              </p:cNvSpPr>
-              <p:nvPr>
-                <p:ph idx="1"/>
-              </p:nvPr>
-            </p:nvSpPr>
-            <p:spPr/>
-            <p:txBody>
-              <a:bodyPr>
-                <a:normAutofit/>
-              </a:bodyPr>
-              <a:lstStyle/>
-              <a:p>
-                <a:r>
-                  <a:rPr lang="en-US" dirty="0"/>
-                  <a:t>To avoid taking gradient of the random variable </a:t>
-                </a:r>
-                <a14:m>
-                  <m:oMath xmlns:m="http://schemas.openxmlformats.org/officeDocument/2006/math">
-                    <m:r>
-                      <a:rPr lang="en-US" b="0" i="1" smtClean="0">
-                        <a:latin typeface="Cambria Math" panose="02040503050406030204" pitchFamily="18" charset="0"/>
-                      </a:rPr>
-                      <m:t>𝑧</m:t>
-                    </m:r>
-                  </m:oMath>
-                </a14:m>
-                <a:r>
-                  <a:rPr lang="en-US" dirty="0"/>
-                  <a:t>, we could express it as a deterministic function of the variational parameters </a:t>
-                </a:r>
-                <a14:m>
-                  <m:oMath xmlns:m="http://schemas.openxmlformats.org/officeDocument/2006/math">
-                    <m:r>
-                      <a:rPr lang="en-US" b="0" i="1" smtClean="0">
-                        <a:latin typeface="Cambria Math" panose="02040503050406030204" pitchFamily="18" charset="0"/>
-                      </a:rPr>
-                      <m:t>𝜙</m:t>
-                    </m:r>
-                  </m:oMath>
-                </a14:m>
-                <a:r>
-                  <a:rPr lang="en-US" dirty="0"/>
-                  <a:t>, the data point </a:t>
-                </a:r>
-                <a14:m>
-                  <m:oMath xmlns:m="http://schemas.openxmlformats.org/officeDocument/2006/math">
-                    <m:r>
-                      <a:rPr lang="en-US" b="0" i="1" smtClean="0">
-                        <a:latin typeface="Cambria Math" panose="02040503050406030204" pitchFamily="18" charset="0"/>
-                      </a:rPr>
-                      <m:t>𝑥</m:t>
-                    </m:r>
-                  </m:oMath>
-                </a14:m>
-                <a:r>
-                  <a:rPr lang="en-US" dirty="0"/>
-                  <a:t>, and a random variable </a:t>
-                </a:r>
-                <a14:m>
-                  <m:oMath xmlns:m="http://schemas.openxmlformats.org/officeDocument/2006/math">
-                    <m:r>
-                      <a:rPr lang="en-US" b="0" i="1" smtClean="0">
-                        <a:latin typeface="Cambria Math" panose="02040503050406030204" pitchFamily="18" charset="0"/>
-                      </a:rPr>
-                      <m:t>𝜖</m:t>
-                    </m:r>
-                  </m:oMath>
-                </a14:m>
-                <a:r>
-                  <a:rPr lang="en-US" dirty="0"/>
-                  <a:t> that is sampled from a prior distribution </a:t>
-                </a:r>
-                <a14:m>
-                  <m:oMath xmlns:m="http://schemas.openxmlformats.org/officeDocument/2006/math">
-                    <m:r>
-                      <a:rPr lang="en-US" b="0" i="1" smtClean="0">
-                        <a:latin typeface="Cambria Math" panose="02040503050406030204" pitchFamily="18" charset="0"/>
-                      </a:rPr>
-                      <m:t>𝑝</m:t>
-                    </m:r>
-                    <m:r>
-                      <a:rPr lang="en-US" b="0" i="1" smtClean="0">
-                        <a:latin typeface="Cambria Math" panose="02040503050406030204" pitchFamily="18" charset="0"/>
-                      </a:rPr>
-                      <m:t>(</m:t>
-                    </m:r>
-                    <m:r>
-                      <a:rPr lang="en-US" b="0" i="1" smtClean="0">
-                        <a:latin typeface="Cambria Math" panose="02040503050406030204" pitchFamily="18" charset="0"/>
-                      </a:rPr>
-                      <m:t>𝜖</m:t>
-                    </m:r>
-                    <m:r>
-                      <a:rPr lang="en-US" b="0" i="1" smtClean="0">
-                        <a:latin typeface="Cambria Math" panose="02040503050406030204" pitchFamily="18" charset="0"/>
-                      </a:rPr>
-                      <m:t>)</m:t>
-                    </m:r>
-                  </m:oMath>
-                </a14:m>
-                <a:r>
-                  <a:rPr lang="en-US" dirty="0"/>
-                  <a:t>:</a:t>
-                </a:r>
-              </a:p>
-              <a:p>
-                <a:endParaRPr lang="en-US" dirty="0"/>
-              </a:p>
-              <a:p>
-                <a:endParaRPr lang="en-US" dirty="0"/>
-              </a:p>
-              <a:p>
-                <a:r>
-                  <a:rPr lang="en-US" dirty="0"/>
-                  <a:t>This is called the reparameterization trick, and the </a:t>
-                </a:r>
-                <a14:m>
-                  <m:oMath xmlns:m="http://schemas.openxmlformats.org/officeDocument/2006/math">
-                    <m:r>
-                      <a:rPr lang="en-US" b="0" i="1" smtClean="0">
-                        <a:latin typeface="Cambria Math" panose="02040503050406030204" pitchFamily="18" charset="0"/>
-                      </a:rPr>
-                      <m:t>𝜖</m:t>
-                    </m:r>
-                  </m:oMath>
-                </a14:m>
-                <a:r>
-                  <a:rPr lang="el-GR" dirty="0"/>
-                  <a:t> </a:t>
-                </a:r>
-                <a:r>
-                  <a:rPr lang="en-US" dirty="0"/>
-                  <a:t>is usually sampled from a standard normal distribution  </a:t>
-                </a:r>
-                <a14:m>
-                  <m:oMath xmlns:m="http://schemas.openxmlformats.org/officeDocument/2006/math">
-                    <m:r>
-                      <a:rPr lang="en-US" i="1">
-                        <a:latin typeface="Cambria Math" panose="02040503050406030204" pitchFamily="18" charset="0"/>
-                      </a:rPr>
-                      <m:t>𝑝</m:t>
-                    </m:r>
-                    <m:d>
-                      <m:dPr>
-                        <m:ctrlPr>
-                          <a:rPr lang="en-US" i="1">
-                            <a:latin typeface="Cambria Math" panose="02040503050406030204" pitchFamily="18" charset="0"/>
-                          </a:rPr>
-                        </m:ctrlPr>
-                      </m:dPr>
-                      <m:e>
-                        <m:r>
-                          <a:rPr lang="en-US" i="1">
-                            <a:latin typeface="Cambria Math" panose="02040503050406030204" pitchFamily="18" charset="0"/>
-                          </a:rPr>
-                          <m:t>𝜖</m:t>
-                        </m:r>
-                      </m:e>
-                    </m:d>
-                    <m:r>
-                      <a:rPr lang="en-US" b="0" i="1" smtClean="0">
-                        <a:latin typeface="Cambria Math" panose="02040503050406030204" pitchFamily="18" charset="0"/>
-                      </a:rPr>
-                      <m:t>∼</m:t>
-                    </m:r>
-                    <m:r>
-                      <a:rPr lang="en-US" b="0" i="1" smtClean="0">
-                        <a:latin typeface="Cambria Math" panose="02040503050406030204" pitchFamily="18" charset="0"/>
-                      </a:rPr>
-                      <m:t>𝑁</m:t>
-                    </m:r>
-                    <m:d>
-                      <m:dPr>
-                        <m:ctrlPr>
-                          <a:rPr lang="en-US" b="0" i="1" smtClean="0">
-                            <a:latin typeface="Cambria Math" panose="02040503050406030204" pitchFamily="18" charset="0"/>
-                          </a:rPr>
-                        </m:ctrlPr>
-                      </m:dPr>
-                      <m:e>
-                        <m:r>
-                          <a:rPr lang="en-US" b="0" i="1" smtClean="0">
-                            <a:latin typeface="Cambria Math" panose="02040503050406030204" pitchFamily="18" charset="0"/>
-                          </a:rPr>
-                          <m:t>0,1</m:t>
-                        </m:r>
-                      </m:e>
-                    </m:d>
-                  </m:oMath>
-                </a14:m>
-                <a:r>
-                  <a:rPr lang="en-US" dirty="0"/>
-                  <a:t>.</a:t>
-                </a:r>
-                <a:br>
-                  <a:rPr lang="en-US" dirty="0"/>
-                </a:br>
-                <a:endParaRPr lang="en-US" dirty="0"/>
-              </a:p>
-              <a:p>
-                <a:endParaRPr lang="en-US" dirty="0"/>
-              </a:p>
-            </p:txBody>
-          </p:sp>
-        </mc:Choice>
-        <mc:Fallback>
-          <p:sp>
-            <p:nvSpPr>
-              <p:cNvPr id="3" name="Content Placeholder 2">
-                <a:extLst>
-                  <a:ext uri="{FF2B5EF4-FFF2-40B4-BE49-F238E27FC236}">
-                    <a16:creationId xmlns:a16="http://schemas.microsoft.com/office/drawing/2014/main" id="{0D805266-4C60-8122-BD46-FF14B880DA12}"/>
-                  </a:ext>
-                </a:extLst>
-              </p:cNvPr>
-              <p:cNvSpPr>
-                <a:spLocks noGrp="1" noRot="1" noChangeAspect="1" noMove="1" noResize="1" noEditPoints="1" noAdjustHandles="1" noChangeArrowheads="1" noChangeShapeType="1" noTextEdit="1"/>
-              </p:cNvSpPr>
-              <p:nvPr>
-                <p:ph idx="1"/>
-              </p:nvPr>
-            </p:nvSpPr>
-            <p:spPr>
-              <a:blipFill>
-                <a:blip r:embed="rId2"/>
-                <a:stretch>
-                  <a:fillRect l="-1086" t="-2326" r="-724"/>
-                </a:stretch>
-              </a:blipFill>
-            </p:spPr>
-            <p:txBody>
-              <a:bodyPr/>
-              <a:lstStyle/>
-              <a:p>
-                <a:r>
-                  <a:rPr lang="en-US">
-                    <a:noFill/>
-                  </a:rPr>
-                  <a:t> </a:t>
-                </a:r>
-              </a:p>
-            </p:txBody>
-          </p:sp>
-        </mc:Fallback>
-      </mc:AlternateContent>
-      <p:pic>
-        <p:nvPicPr>
-          <p:cNvPr id="5" name="Picture 4" descr="A picture containing text, clipart&#10;&#10;Description automatically generated">
-            <a:extLst>
-              <a:ext uri="{FF2B5EF4-FFF2-40B4-BE49-F238E27FC236}">
-                <a16:creationId xmlns:a16="http://schemas.microsoft.com/office/drawing/2014/main" id="{D7C3C986-DF25-3EED-F805-0D827AFA8901}"/>
-              </a:ext>
-            </a:extLst>
-          </p:cNvPr>
-          <p:cNvPicPr>
-            <a:picLocks noChangeAspect="1"/>
-          </p:cNvPicPr>
-          <p:nvPr/>
-        </p:nvPicPr>
-        <p:blipFill>
-          <a:blip r:embed="rId3"/>
-          <a:stretch>
-            <a:fillRect/>
-          </a:stretch>
-        </p:blipFill>
-        <p:spPr>
-          <a:xfrm>
-            <a:off x="4863049" y="3736814"/>
-            <a:ext cx="2465902" cy="608672"/>
-          </a:xfrm>
-          <a:prstGeom prst="rect">
-            <a:avLst/>
-          </a:prstGeom>
-        </p:spPr>
-      </p:pic>
-    </p:spTree>
-    <p:extLst>
-      <p:ext uri="{BB962C8B-B14F-4D97-AF65-F5344CB8AC3E}">
-        <p14:creationId xmlns:p14="http://schemas.microsoft.com/office/powerpoint/2010/main" val="3395604738"/>
-      </p:ext>
-    </p:extLst>
-  </p:cSld>
-  <p:clrMapOvr>
-    <a:masterClrMapping/>
-  </p:clrMapOvr>
-</p:sld>
-</file>
-
-<file path=ppt/slides/slide19.xml><?xml version="1.0" encoding="utf-8"?>
-<p:sld xmlns:a="http://schemas.openxmlformats.org/drawingml/2006/main" xmlns:r="http://schemas.openxmlformats.org/officeDocument/2006/relationships" xmlns:p="http://schemas.openxmlformats.org/presentationml/2006/main">
-  <p:cSld>
-    <p:spTree>
-      <p:nvGrpSpPr>
-        <p:cNvPr id="1" name=""/>
-        <p:cNvGrpSpPr/>
-        <p:nvPr/>
-      </p:nvGrpSpPr>
-      <p:grpSpPr>
-        <a:xfrm>
-          <a:off x="0" y="0"/>
-          <a:ext cx="0" cy="0"/>
-          <a:chOff x="0" y="0"/>
-          <a:chExt cx="0" cy="0"/>
-        </a:xfrm>
-      </p:grpSpPr>
-      <p:sp>
-        <p:nvSpPr>
-          <p:cNvPr id="2" name="Title 1">
-            <a:extLst>
-              <a:ext uri="{FF2B5EF4-FFF2-40B4-BE49-F238E27FC236}">
-                <a16:creationId xmlns:a16="http://schemas.microsoft.com/office/drawing/2014/main" id="{772E064D-F92B-8BBB-346C-672E3D103DC3}"/>
-              </a:ext>
-            </a:extLst>
-          </p:cNvPr>
-          <p:cNvSpPr>
-            <a:spLocks noGrp="1"/>
-          </p:cNvSpPr>
-          <p:nvPr>
-            <p:ph type="title"/>
-          </p:nvPr>
-        </p:nvSpPr>
-        <p:spPr/>
-        <p:txBody>
-          <a:bodyPr/>
-          <a:lstStyle/>
-          <a:p>
-            <a:r>
-              <a:rPr lang="en-US" dirty="0"/>
-              <a:t>Gradient</a:t>
-            </a:r>
-            <a:r>
-              <a:rPr lang="zh-CN" altLang="en-US" dirty="0"/>
-              <a:t> </a:t>
-            </a:r>
-            <a:r>
-              <a:rPr lang="en-US" altLang="zh-CN" dirty="0"/>
-              <a:t>with Reparameterization Trick</a:t>
-            </a:r>
-            <a:endParaRPr lang="en-US" dirty="0"/>
-          </a:p>
-        </p:txBody>
-      </p:sp>
-      <mc:AlternateContent xmlns:mc="http://schemas.openxmlformats.org/markup-compatibility/2006">
-        <mc:Choice xmlns:a14="http://schemas.microsoft.com/office/drawing/2010/main" Requires="a14">
-          <p:sp>
-            <p:nvSpPr>
-              <p:cNvPr id="3" name="Content Placeholder 2">
-                <a:extLst>
-                  <a:ext uri="{FF2B5EF4-FFF2-40B4-BE49-F238E27FC236}">
-                    <a16:creationId xmlns:a16="http://schemas.microsoft.com/office/drawing/2014/main" id="{05F253C6-A09C-1E01-7FC0-B07AD50EA711}"/>
-                  </a:ext>
-                </a:extLst>
-              </p:cNvPr>
-              <p:cNvSpPr>
-                <a:spLocks noGrp="1"/>
-              </p:cNvSpPr>
-              <p:nvPr>
-                <p:ph idx="1"/>
-              </p:nvPr>
-            </p:nvSpPr>
-            <p:spPr/>
-            <p:txBody>
-              <a:bodyPr/>
-              <a:lstStyle/>
-              <a:p>
-                <a:r>
-                  <a:rPr lang="en-US" dirty="0"/>
-                  <a:t>Given the change of variable                        we can rewrite the gradient of the objective function </a:t>
-                </a:r>
-                <a:r>
-                  <a:rPr lang="en-US" dirty="0" err="1"/>
-                  <a:t>w.r.t.</a:t>
-                </a:r>
-                <a:r>
-                  <a:rPr lang="en-US" dirty="0"/>
-                  <a:t> the variational parameters </a:t>
-                </a:r>
-                <a14:m>
-                  <m:oMath xmlns:m="http://schemas.openxmlformats.org/officeDocument/2006/math">
-                    <m:r>
-                      <a:rPr lang="en-US" b="0" i="1" smtClean="0">
-                        <a:latin typeface="Cambria Math" panose="02040503050406030204" pitchFamily="18" charset="0"/>
-                      </a:rPr>
-                      <m:t>𝜙</m:t>
-                    </m:r>
-                  </m:oMath>
-                </a14:m>
-                <a:r>
-                  <a:rPr lang="el-GR" dirty="0"/>
-                  <a:t> </a:t>
-                </a:r>
-                <a:r>
-                  <a:rPr lang="en-US" dirty="0"/>
-                  <a:t>as: </a:t>
-                </a:r>
-              </a:p>
-              <a:p>
-                <a:endParaRPr lang="en-US" dirty="0"/>
-              </a:p>
-              <a:p>
-                <a:endParaRPr lang="en-US" dirty="0"/>
-              </a:p>
-              <a:p>
-                <a:r>
-                  <a:rPr lang="en-US" dirty="0"/>
-                  <a:t>The we take it’s gradient </a:t>
-                </a:r>
-                <a:r>
-                  <a:rPr lang="en-US" dirty="0" err="1"/>
-                  <a:t>w.r.t.</a:t>
-                </a:r>
-                <a:r>
-                  <a:rPr lang="en-US" dirty="0"/>
-                  <a:t> </a:t>
-                </a:r>
-                <a14:m>
-                  <m:oMath xmlns:m="http://schemas.openxmlformats.org/officeDocument/2006/math">
-                    <m:r>
-                      <a:rPr lang="en-US" b="0" i="1" smtClean="0">
-                        <a:latin typeface="Cambria Math" panose="02040503050406030204" pitchFamily="18" charset="0"/>
-                      </a:rPr>
-                      <m:t>𝜙</m:t>
-                    </m:r>
-                  </m:oMath>
-                </a14:m>
-                <a:r>
-                  <a:rPr lang="el-GR" dirty="0"/>
-                  <a:t> </a:t>
-                </a:r>
-                <a:r>
-                  <a:rPr lang="en-US" dirty="0"/>
-                  <a:t>:</a:t>
-                </a:r>
-              </a:p>
-            </p:txBody>
-          </p:sp>
-        </mc:Choice>
-        <mc:Fallback>
-          <p:sp>
-            <p:nvSpPr>
-              <p:cNvPr id="3" name="Content Placeholder 2">
-                <a:extLst>
-                  <a:ext uri="{FF2B5EF4-FFF2-40B4-BE49-F238E27FC236}">
-                    <a16:creationId xmlns:a16="http://schemas.microsoft.com/office/drawing/2014/main" id="{05F253C6-A09C-1E01-7FC0-B07AD50EA711}"/>
-                  </a:ext>
-                </a:extLst>
-              </p:cNvPr>
-              <p:cNvSpPr>
-                <a:spLocks noGrp="1" noRot="1" noChangeAspect="1" noMove="1" noResize="1" noEditPoints="1" noAdjustHandles="1" noChangeArrowheads="1" noChangeShapeType="1" noTextEdit="1"/>
-              </p:cNvSpPr>
-              <p:nvPr>
-                <p:ph idx="1"/>
-              </p:nvPr>
-            </p:nvSpPr>
-            <p:spPr>
-              <a:blipFill>
-                <a:blip r:embed="rId2"/>
-                <a:stretch>
-                  <a:fillRect l="-1086" t="-2326" r="-1206"/>
-                </a:stretch>
-              </a:blipFill>
-            </p:spPr>
-            <p:txBody>
-              <a:bodyPr/>
-              <a:lstStyle/>
-              <a:p>
-                <a:r>
-                  <a:rPr lang="en-US">
-                    <a:noFill/>
-                  </a:rPr>
-                  <a:t> </a:t>
-                </a:r>
-              </a:p>
-            </p:txBody>
-          </p:sp>
-        </mc:Fallback>
-      </mc:AlternateContent>
-      <p:pic>
-        <p:nvPicPr>
-          <p:cNvPr id="4" name="Picture 3" descr="A picture containing text, clipart&#10;&#10;Description automatically generated">
-            <a:extLst>
-              <a:ext uri="{FF2B5EF4-FFF2-40B4-BE49-F238E27FC236}">
-                <a16:creationId xmlns:a16="http://schemas.microsoft.com/office/drawing/2014/main" id="{C988C955-03A4-0CD6-6226-6FCBEAA5DEFF}"/>
-              </a:ext>
-            </a:extLst>
-          </p:cNvPr>
-          <p:cNvPicPr>
-            <a:picLocks noChangeAspect="1"/>
-          </p:cNvPicPr>
-          <p:nvPr/>
-        </p:nvPicPr>
-        <p:blipFill rotWithShape="1">
-          <a:blip r:embed="rId3"/>
-          <a:srcRect l="8195" t="16435" r="3508" b="15852"/>
-          <a:stretch/>
-        </p:blipFill>
-        <p:spPr>
-          <a:xfrm>
-            <a:off x="5346915" y="1887617"/>
-            <a:ext cx="1766806" cy="334443"/>
-          </a:xfrm>
-          <a:prstGeom prst="rect">
-            <a:avLst/>
-          </a:prstGeom>
-        </p:spPr>
-      </p:pic>
-      <p:pic>
-        <p:nvPicPr>
-          <p:cNvPr id="6" name="Picture 5">
-            <a:extLst>
-              <a:ext uri="{FF2B5EF4-FFF2-40B4-BE49-F238E27FC236}">
-                <a16:creationId xmlns:a16="http://schemas.microsoft.com/office/drawing/2014/main" id="{185AA513-5946-CBF0-6209-51054805F21E}"/>
-              </a:ext>
-            </a:extLst>
-          </p:cNvPr>
-          <p:cNvPicPr>
-            <a:picLocks noChangeAspect="1"/>
-          </p:cNvPicPr>
-          <p:nvPr/>
-        </p:nvPicPr>
-        <p:blipFill>
-          <a:blip r:embed="rId4"/>
-          <a:stretch>
-            <a:fillRect/>
-          </a:stretch>
-        </p:blipFill>
-        <p:spPr>
-          <a:xfrm>
-            <a:off x="3041650" y="2794000"/>
-            <a:ext cx="6108700" cy="635000"/>
-          </a:xfrm>
-          <a:prstGeom prst="rect">
-            <a:avLst/>
-          </a:prstGeom>
-        </p:spPr>
-      </p:pic>
-      <p:pic>
-        <p:nvPicPr>
-          <p:cNvPr id="8" name="Picture 7" descr="Text&#10;&#10;Description automatically generated">
-            <a:extLst>
-              <a:ext uri="{FF2B5EF4-FFF2-40B4-BE49-F238E27FC236}">
-                <a16:creationId xmlns:a16="http://schemas.microsoft.com/office/drawing/2014/main" id="{A4D9DA7B-DB50-4F52-22EA-90C2A53FAAA7}"/>
-              </a:ext>
-            </a:extLst>
-          </p:cNvPr>
-          <p:cNvPicPr>
-            <a:picLocks noChangeAspect="1"/>
-          </p:cNvPicPr>
-          <p:nvPr/>
-        </p:nvPicPr>
-        <p:blipFill>
-          <a:blip r:embed="rId5"/>
-          <a:stretch>
-            <a:fillRect/>
-          </a:stretch>
-        </p:blipFill>
-        <p:spPr>
-          <a:xfrm>
-            <a:off x="3854450" y="4227539"/>
-            <a:ext cx="4483100" cy="1676400"/>
-          </a:xfrm>
-          <a:prstGeom prst="rect">
-            <a:avLst/>
-          </a:prstGeom>
-        </p:spPr>
-      </p:pic>
-    </p:spTree>
-    <p:extLst>
-      <p:ext uri="{BB962C8B-B14F-4D97-AF65-F5344CB8AC3E}">
-        <p14:creationId xmlns:p14="http://schemas.microsoft.com/office/powerpoint/2010/main" val="1633131666"/>
       </p:ext>
     </p:extLst>
   </p:cSld>
@@ -7864,6 +7531,643 @@
           <a:chExt cx="0" cy="0"/>
         </a:xfrm>
       </p:grpSpPr>
+      <p:sp>
+        <p:nvSpPr>
+          <p:cNvPr id="2" name="Title 1">
+            <a:extLst>
+              <a:ext uri="{FF2B5EF4-FFF2-40B4-BE49-F238E27FC236}">
+                <a16:creationId xmlns:a16="http://schemas.microsoft.com/office/drawing/2014/main" id="{55121EE9-7E6F-F10E-067C-5A3A1CD5A384}"/>
+              </a:ext>
+            </a:extLst>
+          </p:cNvPr>
+          <p:cNvSpPr>
+            <a:spLocks noGrp="1"/>
+          </p:cNvSpPr>
+          <p:nvPr>
+            <p:ph type="title"/>
+          </p:nvPr>
+        </p:nvSpPr>
+        <p:spPr/>
+        <p:txBody>
+          <a:bodyPr/>
+          <a:lstStyle/>
+          <a:p>
+            <a:r>
+              <a:rPr lang="en-US" dirty="0"/>
+              <a:t>Reparameterization Trick</a:t>
+            </a:r>
+          </a:p>
+        </p:txBody>
+      </p:sp>
+      <mc:AlternateContent xmlns:mc="http://schemas.openxmlformats.org/markup-compatibility/2006" xmlns:a14="http://schemas.microsoft.com/office/drawing/2010/main">
+        <mc:Choice Requires="a14">
+          <p:sp>
+            <p:nvSpPr>
+              <p:cNvPr id="3" name="Content Placeholder 2">
+                <a:extLst>
+                  <a:ext uri="{FF2B5EF4-FFF2-40B4-BE49-F238E27FC236}">
+                    <a16:creationId xmlns:a16="http://schemas.microsoft.com/office/drawing/2014/main" id="{0D805266-4C60-8122-BD46-FF14B880DA12}"/>
+                  </a:ext>
+                </a:extLst>
+              </p:cNvPr>
+              <p:cNvSpPr>
+                <a:spLocks noGrp="1"/>
+              </p:cNvSpPr>
+              <p:nvPr>
+                <p:ph idx="1"/>
+              </p:nvPr>
+            </p:nvSpPr>
+            <p:spPr/>
+            <p:txBody>
+              <a:bodyPr>
+                <a:normAutofit/>
+              </a:bodyPr>
+              <a:lstStyle/>
+              <a:p>
+                <a:r>
+                  <a:rPr lang="en-US" dirty="0"/>
+                  <a:t>To avoid taking gradient of the random variable </a:t>
+                </a:r>
+                <a14:m>
+                  <m:oMath xmlns:m="http://schemas.openxmlformats.org/officeDocument/2006/math">
+                    <m:r>
+                      <a:rPr lang="en-US" b="0" i="1" smtClean="0">
+                        <a:latin typeface="Cambria Math" panose="02040503050406030204" pitchFamily="18" charset="0"/>
+                      </a:rPr>
+                      <m:t>𝑧</m:t>
+                    </m:r>
+                  </m:oMath>
+                </a14:m>
+                <a:r>
+                  <a:rPr lang="en-US" dirty="0"/>
+                  <a:t>, we could express it as a deterministic function of the variational parameters </a:t>
+                </a:r>
+                <a14:m>
+                  <m:oMath xmlns:m="http://schemas.openxmlformats.org/officeDocument/2006/math">
+                    <m:r>
+                      <a:rPr lang="en-US" b="0" i="1" smtClean="0">
+                        <a:latin typeface="Cambria Math" panose="02040503050406030204" pitchFamily="18" charset="0"/>
+                      </a:rPr>
+                      <m:t>𝜙</m:t>
+                    </m:r>
+                  </m:oMath>
+                </a14:m>
+                <a:r>
+                  <a:rPr lang="en-US" dirty="0"/>
+                  <a:t>, the data point </a:t>
+                </a:r>
+                <a14:m>
+                  <m:oMath xmlns:m="http://schemas.openxmlformats.org/officeDocument/2006/math">
+                    <m:r>
+                      <a:rPr lang="en-US" b="0" i="1" smtClean="0">
+                        <a:latin typeface="Cambria Math" panose="02040503050406030204" pitchFamily="18" charset="0"/>
+                      </a:rPr>
+                      <m:t>𝑥</m:t>
+                    </m:r>
+                  </m:oMath>
+                </a14:m>
+                <a:r>
+                  <a:rPr lang="en-US" dirty="0"/>
+                  <a:t>, and a random variable </a:t>
+                </a:r>
+                <a14:m>
+                  <m:oMath xmlns:m="http://schemas.openxmlformats.org/officeDocument/2006/math">
+                    <m:r>
+                      <a:rPr lang="en-US" b="0" i="1" smtClean="0">
+                        <a:latin typeface="Cambria Math" panose="02040503050406030204" pitchFamily="18" charset="0"/>
+                      </a:rPr>
+                      <m:t>𝜖</m:t>
+                    </m:r>
+                  </m:oMath>
+                </a14:m>
+                <a:r>
+                  <a:rPr lang="en-US" dirty="0"/>
+                  <a:t> that is sampled from a prior distribution </a:t>
+                </a:r>
+                <a14:m>
+                  <m:oMath xmlns:m="http://schemas.openxmlformats.org/officeDocument/2006/math">
+                    <m:r>
+                      <a:rPr lang="en-US" b="0" i="1" smtClean="0">
+                        <a:latin typeface="Cambria Math" panose="02040503050406030204" pitchFamily="18" charset="0"/>
+                      </a:rPr>
+                      <m:t>𝑝</m:t>
+                    </m:r>
+                    <m:r>
+                      <a:rPr lang="en-US" b="0" i="1" smtClean="0">
+                        <a:latin typeface="Cambria Math" panose="02040503050406030204" pitchFamily="18" charset="0"/>
+                      </a:rPr>
+                      <m:t>(</m:t>
+                    </m:r>
+                    <m:r>
+                      <a:rPr lang="en-US" b="0" i="1" smtClean="0">
+                        <a:latin typeface="Cambria Math" panose="02040503050406030204" pitchFamily="18" charset="0"/>
+                      </a:rPr>
+                      <m:t>𝜖</m:t>
+                    </m:r>
+                    <m:r>
+                      <a:rPr lang="en-US" b="0" i="1" smtClean="0">
+                        <a:latin typeface="Cambria Math" panose="02040503050406030204" pitchFamily="18" charset="0"/>
+                      </a:rPr>
+                      <m:t>)</m:t>
+                    </m:r>
+                  </m:oMath>
+                </a14:m>
+                <a:r>
+                  <a:rPr lang="en-US" dirty="0"/>
+                  <a:t>:</a:t>
+                </a:r>
+              </a:p>
+              <a:p>
+                <a:endParaRPr lang="en-US" dirty="0"/>
+              </a:p>
+              <a:p>
+                <a:endParaRPr lang="en-US" dirty="0"/>
+              </a:p>
+              <a:p>
+                <a:r>
+                  <a:rPr lang="en-US" dirty="0"/>
+                  <a:t>This is called the reparameterization trick, and the </a:t>
+                </a:r>
+                <a14:m>
+                  <m:oMath xmlns:m="http://schemas.openxmlformats.org/officeDocument/2006/math">
+                    <m:r>
+                      <a:rPr lang="en-US" b="0" i="1" smtClean="0">
+                        <a:latin typeface="Cambria Math" panose="02040503050406030204" pitchFamily="18" charset="0"/>
+                      </a:rPr>
+                      <m:t>𝜖</m:t>
+                    </m:r>
+                  </m:oMath>
+                </a14:m>
+                <a:r>
+                  <a:rPr lang="el-GR" dirty="0"/>
+                  <a:t> </a:t>
+                </a:r>
+                <a:r>
+                  <a:rPr lang="en-US" dirty="0"/>
+                  <a:t>is usually sampled from a standard normal distribution  </a:t>
+                </a:r>
+                <a14:m>
+                  <m:oMath xmlns:m="http://schemas.openxmlformats.org/officeDocument/2006/math">
+                    <m:r>
+                      <a:rPr lang="en-US" i="1">
+                        <a:latin typeface="Cambria Math" panose="02040503050406030204" pitchFamily="18" charset="0"/>
+                      </a:rPr>
+                      <m:t>𝑝</m:t>
+                    </m:r>
+                    <m:d>
+                      <m:dPr>
+                        <m:ctrlPr>
+                          <a:rPr lang="en-US" i="1">
+                            <a:latin typeface="Cambria Math" panose="02040503050406030204" pitchFamily="18" charset="0"/>
+                          </a:rPr>
+                        </m:ctrlPr>
+                      </m:dPr>
+                      <m:e>
+                        <m:r>
+                          <a:rPr lang="en-US" i="1">
+                            <a:latin typeface="Cambria Math" panose="02040503050406030204" pitchFamily="18" charset="0"/>
+                          </a:rPr>
+                          <m:t>𝜖</m:t>
+                        </m:r>
+                      </m:e>
+                    </m:d>
+                    <m:r>
+                      <a:rPr lang="en-US" b="0" i="1" smtClean="0">
+                        <a:latin typeface="Cambria Math" panose="02040503050406030204" pitchFamily="18" charset="0"/>
+                      </a:rPr>
+                      <m:t>∼</m:t>
+                    </m:r>
+                    <m:r>
+                      <a:rPr lang="en-US" b="0" i="1" smtClean="0">
+                        <a:latin typeface="Cambria Math" panose="02040503050406030204" pitchFamily="18" charset="0"/>
+                      </a:rPr>
+                      <m:t>𝑁</m:t>
+                    </m:r>
+                    <m:d>
+                      <m:dPr>
+                        <m:ctrlPr>
+                          <a:rPr lang="en-US" b="0" i="1" smtClean="0">
+                            <a:latin typeface="Cambria Math" panose="02040503050406030204" pitchFamily="18" charset="0"/>
+                          </a:rPr>
+                        </m:ctrlPr>
+                      </m:dPr>
+                      <m:e>
+                        <m:r>
+                          <a:rPr lang="en-US" b="0" i="1" smtClean="0">
+                            <a:latin typeface="Cambria Math" panose="02040503050406030204" pitchFamily="18" charset="0"/>
+                          </a:rPr>
+                          <m:t>0,1</m:t>
+                        </m:r>
+                      </m:e>
+                    </m:d>
+                  </m:oMath>
+                </a14:m>
+                <a:r>
+                  <a:rPr lang="en-US" dirty="0"/>
+                  <a:t>.</a:t>
+                </a:r>
+                <a:br>
+                  <a:rPr lang="en-US" dirty="0"/>
+                </a:br>
+                <a:endParaRPr lang="en-US" dirty="0"/>
+              </a:p>
+              <a:p>
+                <a:endParaRPr lang="en-US" dirty="0"/>
+              </a:p>
+            </p:txBody>
+          </p:sp>
+        </mc:Choice>
+        <mc:Fallback xmlns="">
+          <p:sp>
+            <p:nvSpPr>
+              <p:cNvPr id="3" name="Content Placeholder 2">
+                <a:extLst>
+                  <a:ext uri="{FF2B5EF4-FFF2-40B4-BE49-F238E27FC236}">
+                    <a16:creationId xmlns:a16="http://schemas.microsoft.com/office/drawing/2014/main" id="{0D805266-4C60-8122-BD46-FF14B880DA12}"/>
+                  </a:ext>
+                </a:extLst>
+              </p:cNvPr>
+              <p:cNvSpPr>
+                <a:spLocks noGrp="1" noRot="1" noChangeAspect="1" noMove="1" noResize="1" noEditPoints="1" noAdjustHandles="1" noChangeArrowheads="1" noChangeShapeType="1" noTextEdit="1"/>
+              </p:cNvSpPr>
+              <p:nvPr>
+                <p:ph idx="1"/>
+              </p:nvPr>
+            </p:nvSpPr>
+            <p:spPr>
+              <a:blipFill>
+                <a:blip r:embed="rId2"/>
+                <a:stretch>
+                  <a:fillRect l="-1086" t="-2326" r="-724"/>
+                </a:stretch>
+              </a:blipFill>
+            </p:spPr>
+            <p:txBody>
+              <a:bodyPr/>
+              <a:lstStyle/>
+              <a:p>
+                <a:r>
+                  <a:rPr lang="en-US">
+                    <a:noFill/>
+                  </a:rPr>
+                  <a:t> </a:t>
+                </a:r>
+              </a:p>
+            </p:txBody>
+          </p:sp>
+        </mc:Fallback>
+      </mc:AlternateContent>
+      <p:pic>
+        <p:nvPicPr>
+          <p:cNvPr id="5" name="Picture 4" descr="A picture containing text, clipart&#10;&#10;Description automatically generated">
+            <a:extLst>
+              <a:ext uri="{FF2B5EF4-FFF2-40B4-BE49-F238E27FC236}">
+                <a16:creationId xmlns:a16="http://schemas.microsoft.com/office/drawing/2014/main" id="{D7C3C986-DF25-3EED-F805-0D827AFA8901}"/>
+              </a:ext>
+            </a:extLst>
+          </p:cNvPr>
+          <p:cNvPicPr>
+            <a:picLocks noChangeAspect="1"/>
+          </p:cNvPicPr>
+          <p:nvPr/>
+        </p:nvPicPr>
+        <p:blipFill>
+          <a:blip r:embed="rId3"/>
+          <a:stretch>
+            <a:fillRect/>
+          </a:stretch>
+        </p:blipFill>
+        <p:spPr>
+          <a:xfrm>
+            <a:off x="4863049" y="3736814"/>
+            <a:ext cx="2465902" cy="608672"/>
+          </a:xfrm>
+          <a:prstGeom prst="rect">
+            <a:avLst/>
+          </a:prstGeom>
+        </p:spPr>
+      </p:pic>
+    </p:spTree>
+    <p:extLst>
+      <p:ext uri="{BB962C8B-B14F-4D97-AF65-F5344CB8AC3E}">
+        <p14:creationId xmlns:p14="http://schemas.microsoft.com/office/powerpoint/2010/main" val="3395604738"/>
+      </p:ext>
+    </p:extLst>
+  </p:cSld>
+  <p:clrMapOvr>
+    <a:masterClrMapping/>
+  </p:clrMapOvr>
+</p:sld>
+</file>
+
+<file path=ppt/slides/slide21.xml><?xml version="1.0" encoding="utf-8"?>
+<p:sld xmlns:a="http://schemas.openxmlformats.org/drawingml/2006/main" xmlns:r="http://schemas.openxmlformats.org/officeDocument/2006/relationships" xmlns:p="http://schemas.openxmlformats.org/presentationml/2006/main">
+  <p:cSld>
+    <p:spTree>
+      <p:nvGrpSpPr>
+        <p:cNvPr id="1" name=""/>
+        <p:cNvGrpSpPr/>
+        <p:nvPr/>
+      </p:nvGrpSpPr>
+      <p:grpSpPr>
+        <a:xfrm>
+          <a:off x="0" y="0"/>
+          <a:ext cx="0" cy="0"/>
+          <a:chOff x="0" y="0"/>
+          <a:chExt cx="0" cy="0"/>
+        </a:xfrm>
+      </p:grpSpPr>
+      <p:sp>
+        <p:nvSpPr>
+          <p:cNvPr id="2" name="Title 1">
+            <a:extLst>
+              <a:ext uri="{FF2B5EF4-FFF2-40B4-BE49-F238E27FC236}">
+                <a16:creationId xmlns:a16="http://schemas.microsoft.com/office/drawing/2014/main" id="{772E064D-F92B-8BBB-346C-672E3D103DC3}"/>
+              </a:ext>
+            </a:extLst>
+          </p:cNvPr>
+          <p:cNvSpPr>
+            <a:spLocks noGrp="1"/>
+          </p:cNvSpPr>
+          <p:nvPr>
+            <p:ph type="title"/>
+          </p:nvPr>
+        </p:nvSpPr>
+        <p:spPr/>
+        <p:txBody>
+          <a:bodyPr/>
+          <a:lstStyle/>
+          <a:p>
+            <a:r>
+              <a:rPr lang="en-US" dirty="0"/>
+              <a:t>Gradient</a:t>
+            </a:r>
+            <a:r>
+              <a:rPr lang="zh-CN" altLang="en-US" dirty="0"/>
+              <a:t> </a:t>
+            </a:r>
+            <a:r>
+              <a:rPr lang="en-US" altLang="zh-CN" dirty="0"/>
+              <a:t>with Reparameterization Trick</a:t>
+            </a:r>
+            <a:endParaRPr lang="en-US" dirty="0"/>
+          </a:p>
+        </p:txBody>
+      </p:sp>
+      <mc:AlternateContent xmlns:mc="http://schemas.openxmlformats.org/markup-compatibility/2006" xmlns:a14="http://schemas.microsoft.com/office/drawing/2010/main">
+        <mc:Choice Requires="a14">
+          <p:sp>
+            <p:nvSpPr>
+              <p:cNvPr id="3" name="Content Placeholder 2">
+                <a:extLst>
+                  <a:ext uri="{FF2B5EF4-FFF2-40B4-BE49-F238E27FC236}">
+                    <a16:creationId xmlns:a16="http://schemas.microsoft.com/office/drawing/2014/main" id="{05F253C6-A09C-1E01-7FC0-B07AD50EA711}"/>
+                  </a:ext>
+                </a:extLst>
+              </p:cNvPr>
+              <p:cNvSpPr>
+                <a:spLocks noGrp="1"/>
+              </p:cNvSpPr>
+              <p:nvPr>
+                <p:ph idx="1"/>
+              </p:nvPr>
+            </p:nvSpPr>
+            <p:spPr/>
+            <p:txBody>
+              <a:bodyPr/>
+              <a:lstStyle/>
+              <a:p>
+                <a:r>
+                  <a:rPr lang="en-US" dirty="0"/>
+                  <a:t>Given the change of variable                        we can rewrite the gradient of the objective function </a:t>
+                </a:r>
+                <a:r>
+                  <a:rPr lang="en-US" dirty="0" err="1"/>
+                  <a:t>w.r.t.</a:t>
+                </a:r>
+                <a:r>
+                  <a:rPr lang="en-US" dirty="0"/>
+                  <a:t> the variational parameters </a:t>
+                </a:r>
+                <a14:m>
+                  <m:oMath xmlns:m="http://schemas.openxmlformats.org/officeDocument/2006/math">
+                    <m:r>
+                      <a:rPr lang="en-US" b="0" i="1" smtClean="0">
+                        <a:latin typeface="Cambria Math" panose="02040503050406030204" pitchFamily="18" charset="0"/>
+                      </a:rPr>
+                      <m:t>𝜙</m:t>
+                    </m:r>
+                  </m:oMath>
+                </a14:m>
+                <a:r>
+                  <a:rPr lang="el-GR" dirty="0"/>
+                  <a:t> </a:t>
+                </a:r>
+                <a:r>
+                  <a:rPr lang="en-US" dirty="0"/>
+                  <a:t>as: </a:t>
+                </a:r>
+              </a:p>
+              <a:p>
+                <a:endParaRPr lang="en-US" dirty="0"/>
+              </a:p>
+              <a:p>
+                <a:endParaRPr lang="en-US" dirty="0"/>
+              </a:p>
+              <a:p>
+                <a:r>
+                  <a:rPr lang="en-US" dirty="0"/>
+                  <a:t>The we take it’s gradient </a:t>
+                </a:r>
+                <a:r>
+                  <a:rPr lang="en-US" dirty="0" err="1"/>
+                  <a:t>w.r.t.</a:t>
+                </a:r>
+                <a:r>
+                  <a:rPr lang="en-US" dirty="0"/>
+                  <a:t> </a:t>
+                </a:r>
+                <a14:m>
+                  <m:oMath xmlns:m="http://schemas.openxmlformats.org/officeDocument/2006/math">
+                    <m:r>
+                      <a:rPr lang="en-US" b="0" i="1" smtClean="0">
+                        <a:latin typeface="Cambria Math" panose="02040503050406030204" pitchFamily="18" charset="0"/>
+                      </a:rPr>
+                      <m:t>𝜙</m:t>
+                    </m:r>
+                  </m:oMath>
+                </a14:m>
+                <a:r>
+                  <a:rPr lang="el-GR" dirty="0"/>
+                  <a:t> </a:t>
+                </a:r>
+                <a:r>
+                  <a:rPr lang="en-US" dirty="0"/>
+                  <a:t>:</a:t>
+                </a:r>
+              </a:p>
+            </p:txBody>
+          </p:sp>
+        </mc:Choice>
+        <mc:Fallback xmlns="">
+          <p:sp>
+            <p:nvSpPr>
+              <p:cNvPr id="3" name="Content Placeholder 2">
+                <a:extLst>
+                  <a:ext uri="{FF2B5EF4-FFF2-40B4-BE49-F238E27FC236}">
+                    <a16:creationId xmlns:a16="http://schemas.microsoft.com/office/drawing/2014/main" id="{05F253C6-A09C-1E01-7FC0-B07AD50EA711}"/>
+                  </a:ext>
+                </a:extLst>
+              </p:cNvPr>
+              <p:cNvSpPr>
+                <a:spLocks noGrp="1" noRot="1" noChangeAspect="1" noMove="1" noResize="1" noEditPoints="1" noAdjustHandles="1" noChangeArrowheads="1" noChangeShapeType="1" noTextEdit="1"/>
+              </p:cNvSpPr>
+              <p:nvPr>
+                <p:ph idx="1"/>
+              </p:nvPr>
+            </p:nvSpPr>
+            <p:spPr>
+              <a:blipFill>
+                <a:blip r:embed="rId2"/>
+                <a:stretch>
+                  <a:fillRect l="-1086" t="-2326" r="-1206"/>
+                </a:stretch>
+              </a:blipFill>
+            </p:spPr>
+            <p:txBody>
+              <a:bodyPr/>
+              <a:lstStyle/>
+              <a:p>
+                <a:r>
+                  <a:rPr lang="en-US">
+                    <a:noFill/>
+                  </a:rPr>
+                  <a:t> </a:t>
+                </a:r>
+              </a:p>
+            </p:txBody>
+          </p:sp>
+        </mc:Fallback>
+      </mc:AlternateContent>
+      <p:pic>
+        <p:nvPicPr>
+          <p:cNvPr id="4" name="Picture 3" descr="A picture containing text, clipart&#10;&#10;Description automatically generated">
+            <a:extLst>
+              <a:ext uri="{FF2B5EF4-FFF2-40B4-BE49-F238E27FC236}">
+                <a16:creationId xmlns:a16="http://schemas.microsoft.com/office/drawing/2014/main" id="{C988C955-03A4-0CD6-6226-6FCBEAA5DEFF}"/>
+              </a:ext>
+            </a:extLst>
+          </p:cNvPr>
+          <p:cNvPicPr>
+            <a:picLocks noChangeAspect="1"/>
+          </p:cNvPicPr>
+          <p:nvPr/>
+        </p:nvPicPr>
+        <p:blipFill rotWithShape="1">
+          <a:blip r:embed="rId3"/>
+          <a:srcRect l="8195" t="16435" r="3508" b="15852"/>
+          <a:stretch/>
+        </p:blipFill>
+        <p:spPr>
+          <a:xfrm>
+            <a:off x="5346915" y="1887617"/>
+            <a:ext cx="1766806" cy="334443"/>
+          </a:xfrm>
+          <a:prstGeom prst="rect">
+            <a:avLst/>
+          </a:prstGeom>
+        </p:spPr>
+      </p:pic>
+      <p:pic>
+        <p:nvPicPr>
+          <p:cNvPr id="6" name="Picture 5">
+            <a:extLst>
+              <a:ext uri="{FF2B5EF4-FFF2-40B4-BE49-F238E27FC236}">
+                <a16:creationId xmlns:a16="http://schemas.microsoft.com/office/drawing/2014/main" id="{185AA513-5946-CBF0-6209-51054805F21E}"/>
+              </a:ext>
+            </a:extLst>
+          </p:cNvPr>
+          <p:cNvPicPr>
+            <a:picLocks noChangeAspect="1"/>
+          </p:cNvPicPr>
+          <p:nvPr/>
+        </p:nvPicPr>
+        <p:blipFill>
+          <a:blip r:embed="rId4"/>
+          <a:stretch>
+            <a:fillRect/>
+          </a:stretch>
+        </p:blipFill>
+        <p:spPr>
+          <a:xfrm>
+            <a:off x="3041650" y="2794000"/>
+            <a:ext cx="6108700" cy="635000"/>
+          </a:xfrm>
+          <a:prstGeom prst="rect">
+            <a:avLst/>
+          </a:prstGeom>
+        </p:spPr>
+      </p:pic>
+      <p:pic>
+        <p:nvPicPr>
+          <p:cNvPr id="8" name="Picture 7" descr="Text&#10;&#10;Description automatically generated">
+            <a:extLst>
+              <a:ext uri="{FF2B5EF4-FFF2-40B4-BE49-F238E27FC236}">
+                <a16:creationId xmlns:a16="http://schemas.microsoft.com/office/drawing/2014/main" id="{A4D9DA7B-DB50-4F52-22EA-90C2A53FAAA7}"/>
+              </a:ext>
+            </a:extLst>
+          </p:cNvPr>
+          <p:cNvPicPr>
+            <a:picLocks noChangeAspect="1"/>
+          </p:cNvPicPr>
+          <p:nvPr/>
+        </p:nvPicPr>
+        <p:blipFill>
+          <a:blip r:embed="rId5"/>
+          <a:stretch>
+            <a:fillRect/>
+          </a:stretch>
+        </p:blipFill>
+        <p:spPr>
+          <a:xfrm>
+            <a:off x="3854450" y="4227539"/>
+            <a:ext cx="4483100" cy="1676400"/>
+          </a:xfrm>
+          <a:prstGeom prst="rect">
+            <a:avLst/>
+          </a:prstGeom>
+        </p:spPr>
+      </p:pic>
+    </p:spTree>
+    <p:extLst>
+      <p:ext uri="{BB962C8B-B14F-4D97-AF65-F5344CB8AC3E}">
+        <p14:creationId xmlns:p14="http://schemas.microsoft.com/office/powerpoint/2010/main" val="1633131666"/>
+      </p:ext>
+    </p:extLst>
+  </p:cSld>
+  <p:clrMapOvr>
+    <a:masterClrMapping/>
+  </p:clrMapOvr>
+</p:sld>
+</file>
+
+<file path=ppt/slides/slide22.xml><?xml version="1.0" encoding="utf-8"?>
+<p:sld xmlns:a="http://schemas.openxmlformats.org/drawingml/2006/main" xmlns:r="http://schemas.openxmlformats.org/officeDocument/2006/relationships" xmlns:p="http://schemas.openxmlformats.org/presentationml/2006/main">
+  <p:cSld>
+    <p:spTree>
+      <p:nvGrpSpPr>
+        <p:cNvPr id="1" name=""/>
+        <p:cNvGrpSpPr/>
+        <p:nvPr/>
+      </p:nvGrpSpPr>
+      <p:grpSpPr>
+        <a:xfrm>
+          <a:off x="0" y="0"/>
+          <a:ext cx="0" cy="0"/>
+          <a:chOff x="0" y="0"/>
+          <a:chExt cx="0" cy="0"/>
+        </a:xfrm>
+      </p:grpSpPr>
       <p:grpSp>
         <p:nvGrpSpPr>
           <p:cNvPr id="4" name="Group 3">
@@ -7914,8 +8218,8 @@
             </a:prstGeom>
           </p:spPr>
         </p:pic>
-        <mc:AlternateContent xmlns:mc="http://schemas.openxmlformats.org/markup-compatibility/2006">
-          <mc:Choice xmlns:a14="http://schemas.microsoft.com/office/drawing/2010/main" Requires="a14">
+        <mc:AlternateContent xmlns:mc="http://schemas.openxmlformats.org/markup-compatibility/2006" xmlns:a14="http://schemas.microsoft.com/office/drawing/2010/main">
+          <mc:Choice Requires="a14">
             <p:sp>
               <p:nvSpPr>
                 <p:cNvPr id="6" name="TextBox 5">
@@ -8078,7 +8382,7 @@
               </p:txBody>
             </p:sp>
           </mc:Choice>
-          <mc:Fallback>
+          <mc:Fallback xmlns="">
             <p:sp>
               <p:nvSpPr>
                 <p:cNvPr id="6" name="TextBox 5">
@@ -8123,8 +8427,8 @@
             </p:sp>
           </mc:Fallback>
         </mc:AlternateContent>
-        <mc:AlternateContent xmlns:mc="http://schemas.openxmlformats.org/markup-compatibility/2006">
-          <mc:Choice xmlns:a14="http://schemas.microsoft.com/office/drawing/2010/main" Requires="a14">
+        <mc:AlternateContent xmlns:mc="http://schemas.openxmlformats.org/markup-compatibility/2006" xmlns:a14="http://schemas.microsoft.com/office/drawing/2010/main">
+          <mc:Choice Requires="a14">
             <p:sp>
               <p:nvSpPr>
                 <p:cNvPr id="7" name="TextBox 6">
@@ -8280,7 +8584,7 @@
               </p:txBody>
             </p:sp>
           </mc:Choice>
-          <mc:Fallback>
+          <mc:Fallback xmlns="">
             <p:sp>
               <p:nvSpPr>
                 <p:cNvPr id="7" name="TextBox 6">
@@ -8325,8 +8629,8 @@
             </p:sp>
           </mc:Fallback>
         </mc:AlternateContent>
-        <mc:AlternateContent xmlns:mc="http://schemas.openxmlformats.org/markup-compatibility/2006">
-          <mc:Choice xmlns:a14="http://schemas.microsoft.com/office/drawing/2010/main" Requires="a14">
+        <mc:AlternateContent xmlns:mc="http://schemas.openxmlformats.org/markup-compatibility/2006" xmlns:a14="http://schemas.microsoft.com/office/drawing/2010/main">
+          <mc:Choice Requires="a14">
             <p:sp>
               <p:nvSpPr>
                 <p:cNvPr id="8" name="TextBox 7">
@@ -8383,7 +8687,7 @@
               </p:txBody>
             </p:sp>
           </mc:Choice>
-          <mc:Fallback>
+          <mc:Fallback xmlns="">
             <p:sp>
               <p:nvSpPr>
                 <p:cNvPr id="8" name="TextBox 7">
@@ -8428,8 +8732,8 @@
             </p:sp>
           </mc:Fallback>
         </mc:AlternateContent>
-        <mc:AlternateContent xmlns:mc="http://schemas.openxmlformats.org/markup-compatibility/2006">
-          <mc:Choice xmlns:a14="http://schemas.microsoft.com/office/drawing/2010/main" Requires="a14">
+        <mc:AlternateContent xmlns:mc="http://schemas.openxmlformats.org/markup-compatibility/2006" xmlns:a14="http://schemas.microsoft.com/office/drawing/2010/main">
+          <mc:Choice Requires="a14">
             <p:sp>
               <p:nvSpPr>
                 <p:cNvPr id="9" name="TextBox 8">
@@ -8486,7 +8790,7 @@
               </p:txBody>
             </p:sp>
           </mc:Choice>
-          <mc:Fallback>
+          <mc:Fallback xmlns="">
             <p:sp>
               <p:nvSpPr>
                 <p:cNvPr id="9" name="TextBox 8">
@@ -8531,8 +8835,8 @@
             </p:sp>
           </mc:Fallback>
         </mc:AlternateContent>
-        <mc:AlternateContent xmlns:mc="http://schemas.openxmlformats.org/markup-compatibility/2006">
-          <mc:Choice xmlns:a14="http://schemas.microsoft.com/office/drawing/2010/main" Requires="a14">
+        <mc:AlternateContent xmlns:mc="http://schemas.openxmlformats.org/markup-compatibility/2006" xmlns:a14="http://schemas.microsoft.com/office/drawing/2010/main">
+          <mc:Choice Requires="a14">
             <p:sp>
               <p:nvSpPr>
                 <p:cNvPr id="10" name="TextBox 9">
@@ -8589,7 +8893,7 @@
               </p:txBody>
             </p:sp>
           </mc:Choice>
-          <mc:Fallback>
+          <mc:Fallback xmlns="">
             <p:sp>
               <p:nvSpPr>
                 <p:cNvPr id="10" name="TextBox 9">
@@ -8634,8 +8938,8 @@
             </p:sp>
           </mc:Fallback>
         </mc:AlternateContent>
-        <mc:AlternateContent xmlns:mc="http://schemas.openxmlformats.org/markup-compatibility/2006">
-          <mc:Choice xmlns:a14="http://schemas.microsoft.com/office/drawing/2010/main" Requires="a14">
+        <mc:AlternateContent xmlns:mc="http://schemas.openxmlformats.org/markup-compatibility/2006" xmlns:a14="http://schemas.microsoft.com/office/drawing/2010/main">
+          <mc:Choice Requires="a14">
             <p:sp>
               <p:nvSpPr>
                 <p:cNvPr id="11" name="TextBox 10">
@@ -8692,7 +8996,7 @@
               </p:txBody>
             </p:sp>
           </mc:Choice>
-          <mc:Fallback>
+          <mc:Fallback xmlns="">
             <p:sp>
               <p:nvSpPr>
                 <p:cNvPr id="11" name="TextBox 10">
@@ -8737,8 +9041,8 @@
             </p:sp>
           </mc:Fallback>
         </mc:AlternateContent>
-        <mc:AlternateContent xmlns:mc="http://schemas.openxmlformats.org/markup-compatibility/2006">
-          <mc:Choice xmlns:a14="http://schemas.microsoft.com/office/drawing/2010/main" Requires="a14">
+        <mc:AlternateContent xmlns:mc="http://schemas.openxmlformats.org/markup-compatibility/2006" xmlns:a14="http://schemas.microsoft.com/office/drawing/2010/main">
+          <mc:Choice Requires="a14">
             <p:sp>
               <p:nvSpPr>
                 <p:cNvPr id="12" name="TextBox 11">
@@ -8795,7 +9099,7 @@
               </p:txBody>
             </p:sp>
           </mc:Choice>
-          <mc:Fallback>
+          <mc:Fallback xmlns="">
             <p:sp>
               <p:nvSpPr>
                 <p:cNvPr id="12" name="TextBox 11">
@@ -8840,8 +9144,8 @@
             </p:sp>
           </mc:Fallback>
         </mc:AlternateContent>
-        <mc:AlternateContent xmlns:mc="http://schemas.openxmlformats.org/markup-compatibility/2006">
-          <mc:Choice xmlns:a14="http://schemas.microsoft.com/office/drawing/2010/main" Requires="a14">
+        <mc:AlternateContent xmlns:mc="http://schemas.openxmlformats.org/markup-compatibility/2006" xmlns:a14="http://schemas.microsoft.com/office/drawing/2010/main">
+          <mc:Choice Requires="a14">
             <p:sp>
               <p:nvSpPr>
                 <p:cNvPr id="13" name="TextBox 12">
@@ -8898,7 +9202,7 @@
               </p:txBody>
             </p:sp>
           </mc:Choice>
-          <mc:Fallback>
+          <mc:Fallback xmlns="">
             <p:sp>
               <p:nvSpPr>
                 <p:cNvPr id="13" name="TextBox 12">
@@ -8943,8 +9247,8 @@
             </p:sp>
           </mc:Fallback>
         </mc:AlternateContent>
-        <mc:AlternateContent xmlns:mc="http://schemas.openxmlformats.org/markup-compatibility/2006">
-          <mc:Choice xmlns:a14="http://schemas.microsoft.com/office/drawing/2010/main" Requires="a14">
+        <mc:AlternateContent xmlns:mc="http://schemas.openxmlformats.org/markup-compatibility/2006" xmlns:a14="http://schemas.microsoft.com/office/drawing/2010/main">
+          <mc:Choice Requires="a14">
             <p:sp>
               <p:nvSpPr>
                 <p:cNvPr id="14" name="TextBox 13">
@@ -9046,7 +9350,7 @@
               </p:txBody>
             </p:sp>
           </mc:Choice>
-          <mc:Fallback>
+          <mc:Fallback xmlns="">
             <p:sp>
               <p:nvSpPr>
                 <p:cNvPr id="14" name="TextBox 13">
@@ -9140,7 +9444,7 @@
 </p:sld>
 </file>
 
-<file path=ppt/slides/slide21.xml><?xml version="1.0" encoding="utf-8"?>
+<file path=ppt/slides/slide23.xml><?xml version="1.0" encoding="utf-8"?>
 <p:sld xmlns:a="http://schemas.openxmlformats.org/drawingml/2006/main" xmlns:r="http://schemas.openxmlformats.org/officeDocument/2006/relationships" xmlns:p="http://schemas.openxmlformats.org/presentationml/2006/main">
   <p:cSld>
     <p:spTree>
@@ -9194,8 +9498,8 @@
           </a:p>
         </p:txBody>
       </p:sp>
-      <mc:AlternateContent xmlns:mc="http://schemas.openxmlformats.org/markup-compatibility/2006">
-        <mc:Choice xmlns:a14="http://schemas.microsoft.com/office/drawing/2010/main" Requires="a14">
+      <mc:AlternateContent xmlns:mc="http://schemas.openxmlformats.org/markup-compatibility/2006" xmlns:a14="http://schemas.microsoft.com/office/drawing/2010/main">
+        <mc:Choice Requires="a14">
           <p:sp>
             <p:nvSpPr>
               <p:cNvPr id="3" name="Content Placeholder 2">
@@ -9285,7 +9589,7 @@
             </p:txBody>
           </p:sp>
         </mc:Choice>
-        <mc:Fallback>
+        <mc:Fallback xmlns="">
           <p:sp>
             <p:nvSpPr>
               <p:cNvPr id="3" name="Content Placeholder 2">
@@ -10810,8 +11114,8 @@
           </a:p>
         </p:txBody>
       </p:sp>
-      <mc:AlternateContent xmlns:mc="http://schemas.openxmlformats.org/markup-compatibility/2006" xmlns:a14="http://schemas.microsoft.com/office/drawing/2010/main">
-        <mc:Choice Requires="a14">
+      <mc:AlternateContent xmlns:mc="http://schemas.openxmlformats.org/markup-compatibility/2006">
+        <mc:Choice xmlns:a14="http://schemas.microsoft.com/office/drawing/2010/main" Requires="a14">
           <p:sp>
             <p:nvSpPr>
               <p:cNvPr id="3" name="Content Placeholder 2">
@@ -10919,13 +11223,13 @@
               <a:p>
                 <a:r>
                   <a:rPr lang="en-US" dirty="0"/>
-                  <a:t>Then we might be able to use he decoder as a generative model!</a:t>
+                  <a:t>Then we might be able to use the decoder as a generative model!</a:t>
                 </a:r>
               </a:p>
             </p:txBody>
           </p:sp>
         </mc:Choice>
-        <mc:Fallback xmlns="">
+        <mc:Fallback>
           <p:sp>
             <p:nvSpPr>
               <p:cNvPr id="3" name="Content Placeholder 2">
@@ -10946,7 +11250,7 @@
               <a:blipFill>
                 <a:blip r:embed="rId2"/>
                 <a:stretch>
-                  <a:fillRect l="-1086" t="-2326"/>
+                  <a:fillRect l="-1043" t="-2241"/>
                 </a:stretch>
               </a:blipFill>
             </p:spPr>
@@ -10979,6 +11283,104 @@
 </file>
 
 <file path=ppt/slides/slide6.xml><?xml version="1.0" encoding="utf-8"?>
+<p:sld xmlns:a="http://schemas.openxmlformats.org/drawingml/2006/main" xmlns:r="http://schemas.openxmlformats.org/officeDocument/2006/relationships" xmlns:p="http://schemas.openxmlformats.org/presentationml/2006/main">
+  <p:cSld>
+    <p:spTree>
+      <p:nvGrpSpPr>
+        <p:cNvPr id="1" name=""/>
+        <p:cNvGrpSpPr/>
+        <p:nvPr/>
+      </p:nvGrpSpPr>
+      <p:grpSpPr>
+        <a:xfrm>
+          <a:off x="0" y="0"/>
+          <a:ext cx="0" cy="0"/>
+          <a:chOff x="0" y="0"/>
+          <a:chExt cx="0" cy="0"/>
+        </a:xfrm>
+      </p:grpSpPr>
+      <p:sp>
+        <p:nvSpPr>
+          <p:cNvPr id="2" name="Title 1">
+            <a:extLst>
+              <a:ext uri="{FF2B5EF4-FFF2-40B4-BE49-F238E27FC236}">
+                <a16:creationId xmlns:a16="http://schemas.microsoft.com/office/drawing/2014/main" id="{C59E65EB-DA96-42CD-8A48-5C5E712AB7E5}"/>
+              </a:ext>
+            </a:extLst>
+          </p:cNvPr>
+          <p:cNvSpPr>
+            <a:spLocks noGrp="1"/>
+          </p:cNvSpPr>
+          <p:nvPr>
+            <p:ph type="title"/>
+          </p:nvPr>
+        </p:nvSpPr>
+        <p:spPr/>
+        <p:txBody>
+          <a:bodyPr/>
+          <a:lstStyle/>
+          <a:p>
+            <a:r>
+              <a:rPr lang="en-US" dirty="0"/>
+              <a:t>Autoencoder Flaws</a:t>
+            </a:r>
+          </a:p>
+        </p:txBody>
+      </p:sp>
+      <p:sp>
+        <p:nvSpPr>
+          <p:cNvPr id="3" name="Content Placeholder 2">
+            <a:extLst>
+              <a:ext uri="{FF2B5EF4-FFF2-40B4-BE49-F238E27FC236}">
+                <a16:creationId xmlns:a16="http://schemas.microsoft.com/office/drawing/2014/main" id="{78E39F80-1273-4D59-84D0-63D005B61B98}"/>
+              </a:ext>
+            </a:extLst>
+          </p:cNvPr>
+          <p:cNvSpPr>
+            <a:spLocks noGrp="1"/>
+          </p:cNvSpPr>
+          <p:nvPr>
+            <p:ph idx="1"/>
+          </p:nvPr>
+        </p:nvSpPr>
+        <p:spPr/>
+        <p:txBody>
+          <a:bodyPr/>
+          <a:lstStyle/>
+          <a:p>
+            <a:r>
+              <a:rPr lang="en-US" dirty="0"/>
+              <a:t>No latent representation distribution</a:t>
+            </a:r>
+          </a:p>
+          <a:p>
+            <a:r>
+              <a:rPr lang="en-US" dirty="0"/>
+              <a:t>Not guaranteed to be continuous </a:t>
+            </a:r>
+          </a:p>
+          <a:p>
+            <a:r>
+              <a:rPr lang="en-US" dirty="0"/>
+              <a:t>Difficult for generating new data</a:t>
+            </a:r>
+          </a:p>
+        </p:txBody>
+      </p:sp>
+    </p:spTree>
+    <p:extLst>
+      <p:ext uri="{BB962C8B-B14F-4D97-AF65-F5344CB8AC3E}">
+        <p14:creationId xmlns:p14="http://schemas.microsoft.com/office/powerpoint/2010/main" val="341012408"/>
+      </p:ext>
+    </p:extLst>
+  </p:cSld>
+  <p:clrMapOvr>
+    <a:masterClrMapping/>
+  </p:clrMapOvr>
+</p:sld>
+</file>
+
+<file path=ppt/slides/slide7.xml><?xml version="1.0" encoding="utf-8"?>
 <p:sld xmlns:a="http://schemas.openxmlformats.org/drawingml/2006/main" xmlns:r="http://schemas.openxmlformats.org/officeDocument/2006/relationships" xmlns:p="http://schemas.openxmlformats.org/presentationml/2006/main">
   <p:cSld>
     <p:spTree>
@@ -11246,7 +11648,7 @@
 </p:sld>
 </file>
 
-<file path=ppt/slides/slide7.xml><?xml version="1.0" encoding="utf-8"?>
+<file path=ppt/slides/slide8.xml><?xml version="1.0" encoding="utf-8"?>
 <p:sld xmlns:a="http://schemas.openxmlformats.org/drawingml/2006/main" xmlns:r="http://schemas.openxmlformats.org/officeDocument/2006/relationships" xmlns:p="http://schemas.openxmlformats.org/presentationml/2006/main">
   <p:cSld>
     <p:spTree>
@@ -11444,7 +11846,7 @@
 </p:sld>
 </file>
 
-<file path=ppt/slides/slide8.xml><?xml version="1.0" encoding="utf-8"?>
+<file path=ppt/slides/slide9.xml><?xml version="1.0" encoding="utf-8"?>
 <p:sld xmlns:a="http://schemas.openxmlformats.org/drawingml/2006/main" xmlns:r="http://schemas.openxmlformats.org/officeDocument/2006/relationships" xmlns:p="http://schemas.openxmlformats.org/presentationml/2006/main">
   <p:cSld>
     <p:spTree>
@@ -11644,167 +12046,6 @@
     <p:extLst>
       <p:ext uri="{BB962C8B-B14F-4D97-AF65-F5344CB8AC3E}">
         <p14:creationId xmlns:p14="http://schemas.microsoft.com/office/powerpoint/2010/main" val="2107002541"/>
-      </p:ext>
-    </p:extLst>
-  </p:cSld>
-  <p:clrMapOvr>
-    <a:masterClrMapping/>
-  </p:clrMapOvr>
-</p:sld>
-</file>
-
-<file path=ppt/slides/slide9.xml><?xml version="1.0" encoding="utf-8"?>
-<p:sld xmlns:a="http://schemas.openxmlformats.org/drawingml/2006/main" xmlns:r="http://schemas.openxmlformats.org/officeDocument/2006/relationships" xmlns:p="http://schemas.openxmlformats.org/presentationml/2006/main">
-  <p:cSld>
-    <p:spTree>
-      <p:nvGrpSpPr>
-        <p:cNvPr id="1" name=""/>
-        <p:cNvGrpSpPr/>
-        <p:nvPr/>
-      </p:nvGrpSpPr>
-      <p:grpSpPr>
-        <a:xfrm>
-          <a:off x="0" y="0"/>
-          <a:ext cx="0" cy="0"/>
-          <a:chOff x="0" y="0"/>
-          <a:chExt cx="0" cy="0"/>
-        </a:xfrm>
-      </p:grpSpPr>
-      <mc:AlternateContent xmlns:mc="http://schemas.openxmlformats.org/markup-compatibility/2006" xmlns:a14="http://schemas.microsoft.com/office/drawing/2010/main">
-        <mc:Choice Requires="a14">
-          <p:sp>
-            <p:nvSpPr>
-              <p:cNvPr id="2" name="Title 1">
-                <a:extLst>
-                  <a:ext uri="{FF2B5EF4-FFF2-40B4-BE49-F238E27FC236}">
-                    <a16:creationId xmlns:a16="http://schemas.microsoft.com/office/drawing/2014/main" id="{6C062EE8-57AF-CE5A-07A3-305A4AC3022C}"/>
-                  </a:ext>
-                </a:extLst>
-              </p:cNvPr>
-              <p:cNvSpPr>
-                <a:spLocks noGrp="1"/>
-              </p:cNvSpPr>
-              <p:nvPr>
-                <p:ph type="title"/>
-              </p:nvPr>
-            </p:nvSpPr>
-            <p:spPr>
-              <a:xfrm>
-                <a:off x="838200" y="2766218"/>
-                <a:ext cx="10515600" cy="1325563"/>
-              </a:xfrm>
-            </p:spPr>
-            <p:txBody>
-              <a:bodyPr/>
-              <a:lstStyle/>
-              <a:p>
-                <a:r>
-                  <a:rPr lang="en-US" dirty="0"/>
-                  <a:t>We could use VAE to Model </a:t>
-                </a:r>
-                <a14:m>
-                  <m:oMath xmlns:m="http://schemas.openxmlformats.org/officeDocument/2006/math">
-                    <m:sSub>
-                      <m:sSubPr>
-                        <m:ctrlPr>
-                          <a:rPr lang="en-US" i="1" smtClean="0">
-                            <a:latin typeface="Cambria Math" panose="02040503050406030204" pitchFamily="18" charset="0"/>
-                          </a:rPr>
-                        </m:ctrlPr>
-                      </m:sSubPr>
-                      <m:e>
-                        <m:r>
-                          <a:rPr lang="en-US" b="0" i="1" smtClean="0">
-                            <a:latin typeface="Cambria Math" panose="02040503050406030204" pitchFamily="18" charset="0"/>
-                          </a:rPr>
-                          <m:t>𝑝</m:t>
-                        </m:r>
-                      </m:e>
-                      <m:sub>
-                        <m:r>
-                          <a:rPr lang="en-US" b="0" i="1" smtClean="0">
-                            <a:latin typeface="Cambria Math" panose="02040503050406030204" pitchFamily="18" charset="0"/>
-                          </a:rPr>
-                          <m:t>𝜃</m:t>
-                        </m:r>
-                      </m:sub>
-                    </m:sSub>
-                    <m:r>
-                      <a:rPr lang="en-US" b="0" i="1" smtClean="0">
-                        <a:latin typeface="Cambria Math" panose="02040503050406030204" pitchFamily="18" charset="0"/>
-                      </a:rPr>
-                      <m:t>(</m:t>
-                    </m:r>
-                    <m:r>
-                      <a:rPr lang="en-US" b="0" i="1" smtClean="0">
-                        <a:latin typeface="Cambria Math" panose="02040503050406030204" pitchFamily="18" charset="0"/>
-                      </a:rPr>
-                      <m:t>𝑥</m:t>
-                    </m:r>
-                    <m:r>
-                      <a:rPr lang="en-US" b="0" i="1" smtClean="0">
-                        <a:latin typeface="Cambria Math" panose="02040503050406030204" pitchFamily="18" charset="0"/>
-                      </a:rPr>
-                      <m:t>)</m:t>
-                    </m:r>
-                  </m:oMath>
-                </a14:m>
-                <a:r>
-                  <a:rPr lang="en-US" dirty="0"/>
-                  <a:t> </a:t>
-                </a:r>
-              </a:p>
-            </p:txBody>
-          </p:sp>
-        </mc:Choice>
-        <mc:Fallback xmlns="">
-          <p:sp>
-            <p:nvSpPr>
-              <p:cNvPr id="2" name="Title 1">
-                <a:extLst>
-                  <a:ext uri="{FF2B5EF4-FFF2-40B4-BE49-F238E27FC236}">
-                    <a16:creationId xmlns:a16="http://schemas.microsoft.com/office/drawing/2014/main" id="{6C062EE8-57AF-CE5A-07A3-305A4AC3022C}"/>
-                  </a:ext>
-                </a:extLst>
-              </p:cNvPr>
-              <p:cNvSpPr>
-                <a:spLocks noGrp="1" noRot="1" noChangeAspect="1" noMove="1" noResize="1" noEditPoints="1" noAdjustHandles="1" noChangeArrowheads="1" noChangeShapeType="1" noTextEdit="1"/>
-              </p:cNvSpPr>
-              <p:nvPr>
-                <p:ph type="title"/>
-              </p:nvPr>
-            </p:nvSpPr>
-            <p:spPr>
-              <a:xfrm>
-                <a:off x="838200" y="2766218"/>
-                <a:ext cx="10515600" cy="1325563"/>
-              </a:xfrm>
-              <a:blipFill>
-                <a:blip r:embed="rId2"/>
-                <a:stretch>
-                  <a:fillRect l="-2413"/>
-                </a:stretch>
-              </a:blipFill>
-            </p:spPr>
-            <p:txBody>
-              <a:bodyPr/>
-              <a:lstStyle/>
-              <a:p>
-                <a:r>
-                  <a:rPr lang="en-US">
-                    <a:noFill/>
-                  </a:rPr>
-                  <a:t> </a:t>
-                </a:r>
-              </a:p>
-            </p:txBody>
-          </p:sp>
-        </mc:Fallback>
-      </mc:AlternateContent>
-    </p:spTree>
-    <p:extLst>
-      <p:ext uri="{BB962C8B-B14F-4D97-AF65-F5344CB8AC3E}">
-        <p14:creationId xmlns:p14="http://schemas.microsoft.com/office/powerpoint/2010/main" val="1711117113"/>
       </p:ext>
     </p:extLst>
   </p:cSld>
